--- a/TRaiing_Images.pptx
+++ b/TRaiing_Images.pptx
@@ -11,6 +11,7 @@
     <p:sldId id="259" r:id="rId5"/>
     <p:sldId id="260" r:id="rId6"/>
     <p:sldId id="261" r:id="rId7"/>
+    <p:sldId id="262" r:id="rId8"/>
   </p:sldIdLst>
   <p:sldSz cx="12192000" cy="6858000"/>
   <p:notesSz cx="6858000" cy="9144000"/>
@@ -109,6 +110,11 @@
       </a:defRPr>
     </a:lvl9pPr>
   </p:defaultTextStyle>
+  <p:extLst>
+    <p:ext uri="{EFAFB233-063F-42B5-8137-9DF3F51BA10A}">
+      <p15:sldGuideLst xmlns:p15="http://schemas.microsoft.com/office/powerpoint/2012/main"/>
+    </p:ext>
+  </p:extLst>
 </p:presentation>
 </file>
 
@@ -259,7 +265,7 @@
           <a:p>
             <a:fld id="{EAFA7C19-5B2C-4229-8259-A49885222B35}" type="datetimeFigureOut">
               <a:rPr lang="en-US" smtClean="0"/>
-              <a:t>7/24/2023</a:t>
+              <a:t>7/25/2023</a:t>
             </a:fld>
             <a:endParaRPr lang="en-US"/>
           </a:p>
@@ -457,7 +463,7 @@
           <a:p>
             <a:fld id="{EAFA7C19-5B2C-4229-8259-A49885222B35}" type="datetimeFigureOut">
               <a:rPr lang="en-US" smtClean="0"/>
-              <a:t>7/24/2023</a:t>
+              <a:t>7/25/2023</a:t>
             </a:fld>
             <a:endParaRPr lang="en-US"/>
           </a:p>
@@ -665,7 +671,7 @@
           <a:p>
             <a:fld id="{EAFA7C19-5B2C-4229-8259-A49885222B35}" type="datetimeFigureOut">
               <a:rPr lang="en-US" smtClean="0"/>
-              <a:t>7/24/2023</a:t>
+              <a:t>7/25/2023</a:t>
             </a:fld>
             <a:endParaRPr lang="en-US"/>
           </a:p>
@@ -863,7 +869,7 @@
           <a:p>
             <a:fld id="{EAFA7C19-5B2C-4229-8259-A49885222B35}" type="datetimeFigureOut">
               <a:rPr lang="en-US" smtClean="0"/>
-              <a:t>7/24/2023</a:t>
+              <a:t>7/25/2023</a:t>
             </a:fld>
             <a:endParaRPr lang="en-US"/>
           </a:p>
@@ -1138,7 +1144,7 @@
           <a:p>
             <a:fld id="{EAFA7C19-5B2C-4229-8259-A49885222B35}" type="datetimeFigureOut">
               <a:rPr lang="en-US" smtClean="0"/>
-              <a:t>7/24/2023</a:t>
+              <a:t>7/25/2023</a:t>
             </a:fld>
             <a:endParaRPr lang="en-US"/>
           </a:p>
@@ -1403,7 +1409,7 @@
           <a:p>
             <a:fld id="{EAFA7C19-5B2C-4229-8259-A49885222B35}" type="datetimeFigureOut">
               <a:rPr lang="en-US" smtClean="0"/>
-              <a:t>7/24/2023</a:t>
+              <a:t>7/25/2023</a:t>
             </a:fld>
             <a:endParaRPr lang="en-US"/>
           </a:p>
@@ -1815,7 +1821,7 @@
           <a:p>
             <a:fld id="{EAFA7C19-5B2C-4229-8259-A49885222B35}" type="datetimeFigureOut">
               <a:rPr lang="en-US" smtClean="0"/>
-              <a:t>7/24/2023</a:t>
+              <a:t>7/25/2023</a:t>
             </a:fld>
             <a:endParaRPr lang="en-US"/>
           </a:p>
@@ -1956,7 +1962,7 @@
           <a:p>
             <a:fld id="{EAFA7C19-5B2C-4229-8259-A49885222B35}" type="datetimeFigureOut">
               <a:rPr lang="en-US" smtClean="0"/>
-              <a:t>7/24/2023</a:t>
+              <a:t>7/25/2023</a:t>
             </a:fld>
             <a:endParaRPr lang="en-US"/>
           </a:p>
@@ -2069,7 +2075,7 @@
           <a:p>
             <a:fld id="{EAFA7C19-5B2C-4229-8259-A49885222B35}" type="datetimeFigureOut">
               <a:rPr lang="en-US" smtClean="0"/>
-              <a:t>7/24/2023</a:t>
+              <a:t>7/25/2023</a:t>
             </a:fld>
             <a:endParaRPr lang="en-US"/>
           </a:p>
@@ -2380,7 +2386,7 @@
           <a:p>
             <a:fld id="{EAFA7C19-5B2C-4229-8259-A49885222B35}" type="datetimeFigureOut">
               <a:rPr lang="en-US" smtClean="0"/>
-              <a:t>7/24/2023</a:t>
+              <a:t>7/25/2023</a:t>
             </a:fld>
             <a:endParaRPr lang="en-US"/>
           </a:p>
@@ -2668,7 +2674,7 @@
           <a:p>
             <a:fld id="{EAFA7C19-5B2C-4229-8259-A49885222B35}" type="datetimeFigureOut">
               <a:rPr lang="en-US" smtClean="0"/>
-              <a:t>7/24/2023</a:t>
+              <a:t>7/25/2023</a:t>
             </a:fld>
             <a:endParaRPr lang="en-US"/>
           </a:p>
@@ -2909,7 +2915,7 @@
           <a:p>
             <a:fld id="{EAFA7C19-5B2C-4229-8259-A49885222B35}" type="datetimeFigureOut">
               <a:rPr lang="en-US" smtClean="0"/>
-              <a:t>7/24/2023</a:t>
+              <a:t>7/25/2023</a:t>
             </a:fld>
             <a:endParaRPr lang="en-US"/>
           </a:p>
@@ -5670,7 +5676,7 @@
           <a:p>
             <a:pPr algn="ctr"/>
             <a:r>
-              <a:rPr lang="en-IN" sz="6600"/>
+              <a:rPr lang="en-IN" sz="6600" dirty="0"/>
               <a:t>HOST OS</a:t>
             </a:r>
             <a:endParaRPr lang="en-US" sz="6600" dirty="0"/>
@@ -6361,10 +6367,527 @@
           </a:p>
         </p:txBody>
       </p:sp>
+      <p:sp>
+        <p:nvSpPr>
+          <p:cNvPr id="16" name="Rectangle 15">
+            <a:extLst>
+              <a:ext uri="{FF2B5EF4-FFF2-40B4-BE49-F238E27FC236}">
+                <a16:creationId xmlns:a16="http://schemas.microsoft.com/office/drawing/2014/main" id="{00B8BF27-BDA1-ED23-BD4C-149AEDF504E8}"/>
+              </a:ext>
+            </a:extLst>
+          </p:cNvPr>
+          <p:cNvSpPr/>
+          <p:nvPr/>
+        </p:nvSpPr>
+        <p:spPr>
+          <a:xfrm>
+            <a:off x="3914192" y="13995"/>
+            <a:ext cx="3349690" cy="2738536"/>
+          </a:xfrm>
+          <a:prstGeom prst="rect">
+            <a:avLst/>
+          </a:prstGeom>
+        </p:spPr>
+        <p:style>
+          <a:lnRef idx="2">
+            <a:schemeClr val="dk1">
+              <a:shade val="15000"/>
+            </a:schemeClr>
+          </a:lnRef>
+          <a:fillRef idx="1">
+            <a:schemeClr val="dk1"/>
+          </a:fillRef>
+          <a:effectRef idx="0">
+            <a:schemeClr val="dk1"/>
+          </a:effectRef>
+          <a:fontRef idx="minor">
+            <a:schemeClr val="lt1"/>
+          </a:fontRef>
+        </p:style>
+        <p:txBody>
+          <a:bodyPr rtlCol="0" anchor="ctr"/>
+          <a:lstStyle/>
+          <a:p>
+            <a:pPr algn="ctr"/>
+            <a:endParaRPr lang="en-US"/>
+          </a:p>
+        </p:txBody>
+      </p:sp>
+      <p:sp>
+        <p:nvSpPr>
+          <p:cNvPr id="17" name="TextBox 16">
+            <a:extLst>
+              <a:ext uri="{FF2B5EF4-FFF2-40B4-BE49-F238E27FC236}">
+                <a16:creationId xmlns:a16="http://schemas.microsoft.com/office/drawing/2014/main" id="{01A9D3B1-6B1E-27C4-CDC3-4A2AFFF4F849}"/>
+              </a:ext>
+            </a:extLst>
+          </p:cNvPr>
+          <p:cNvSpPr txBox="1"/>
+          <p:nvPr/>
+        </p:nvSpPr>
+        <p:spPr>
+          <a:xfrm>
+            <a:off x="3914192" y="79309"/>
+            <a:ext cx="3256384" cy="369332"/>
+          </a:xfrm>
+          <a:prstGeom prst="rect">
+            <a:avLst/>
+          </a:prstGeom>
+          <a:noFill/>
+        </p:spPr>
+        <p:txBody>
+          <a:bodyPr wrap="square" rtlCol="0">
+            <a:spAutoFit/>
+          </a:bodyPr>
+          <a:lstStyle/>
+          <a:p>
+            <a:pPr algn="ctr"/>
+            <a:r>
+              <a:rPr lang="en-IN" b="1" dirty="0">
+                <a:solidFill>
+                  <a:srgbClr val="FFFF00"/>
+                </a:solidFill>
+              </a:rPr>
+              <a:t>Container</a:t>
+            </a:r>
+            <a:endParaRPr lang="en-US" b="1" dirty="0">
+              <a:solidFill>
+                <a:srgbClr val="FFFF00"/>
+              </a:solidFill>
+            </a:endParaRPr>
+          </a:p>
+        </p:txBody>
+      </p:sp>
+      <p:sp>
+        <p:nvSpPr>
+          <p:cNvPr id="18" name="Rectangle 17">
+            <a:extLst>
+              <a:ext uri="{FF2B5EF4-FFF2-40B4-BE49-F238E27FC236}">
+                <a16:creationId xmlns:a16="http://schemas.microsoft.com/office/drawing/2014/main" id="{C5461C31-7DD3-160C-1026-3AD10F9EA906}"/>
+              </a:ext>
+            </a:extLst>
+          </p:cNvPr>
+          <p:cNvSpPr/>
+          <p:nvPr/>
+        </p:nvSpPr>
+        <p:spPr>
+          <a:xfrm>
+            <a:off x="3914192" y="1808192"/>
+            <a:ext cx="3349690" cy="457200"/>
+          </a:xfrm>
+          <a:prstGeom prst="rect">
+            <a:avLst/>
+          </a:prstGeom>
+        </p:spPr>
+        <p:style>
+          <a:lnRef idx="2">
+            <a:schemeClr val="accent1">
+              <a:shade val="15000"/>
+            </a:schemeClr>
+          </a:lnRef>
+          <a:fillRef idx="1">
+            <a:schemeClr val="accent1"/>
+          </a:fillRef>
+          <a:effectRef idx="0">
+            <a:schemeClr val="accent1"/>
+          </a:effectRef>
+          <a:fontRef idx="minor">
+            <a:schemeClr val="lt1"/>
+          </a:fontRef>
+        </p:style>
+        <p:txBody>
+          <a:bodyPr rtlCol="0" anchor="ctr"/>
+          <a:lstStyle/>
+          <a:p>
+            <a:pPr algn="ctr"/>
+            <a:r>
+              <a:rPr lang="en-IN" b="1" dirty="0"/>
+              <a:t>Base Image of OS + Runtime</a:t>
+            </a:r>
+            <a:endParaRPr lang="en-US" b="1" dirty="0"/>
+          </a:p>
+        </p:txBody>
+      </p:sp>
+      <p:sp>
+        <p:nvSpPr>
+          <p:cNvPr id="19" name="Cylinder 18">
+            <a:extLst>
+              <a:ext uri="{FF2B5EF4-FFF2-40B4-BE49-F238E27FC236}">
+                <a16:creationId xmlns:a16="http://schemas.microsoft.com/office/drawing/2014/main" id="{3DC53267-4517-1E3C-1CFB-7C81DC3D4B4C}"/>
+              </a:ext>
+            </a:extLst>
+          </p:cNvPr>
+          <p:cNvSpPr/>
+          <p:nvPr/>
+        </p:nvSpPr>
+        <p:spPr>
+          <a:xfrm>
+            <a:off x="4940559" y="2358312"/>
+            <a:ext cx="979715" cy="580831"/>
+          </a:xfrm>
+          <a:prstGeom prst="can">
+            <a:avLst/>
+          </a:prstGeom>
+          <a:solidFill>
+            <a:srgbClr val="FFFF00"/>
+          </a:solidFill>
+        </p:spPr>
+        <p:style>
+          <a:lnRef idx="2">
+            <a:schemeClr val="accent1">
+              <a:shade val="15000"/>
+            </a:schemeClr>
+          </a:lnRef>
+          <a:fillRef idx="1">
+            <a:schemeClr val="accent1"/>
+          </a:fillRef>
+          <a:effectRef idx="0">
+            <a:schemeClr val="accent1"/>
+          </a:effectRef>
+          <a:fontRef idx="minor">
+            <a:schemeClr val="lt1"/>
+          </a:fontRef>
+        </p:style>
+        <p:txBody>
+          <a:bodyPr rtlCol="0" anchor="ctr"/>
+          <a:lstStyle/>
+          <a:p>
+            <a:pPr algn="ctr"/>
+            <a:r>
+              <a:rPr lang="en-IN" b="1" dirty="0">
+                <a:ln w="22225">
+                  <a:solidFill>
+                    <a:schemeClr val="accent2"/>
+                  </a:solidFill>
+                  <a:prstDash val="solid"/>
+                </a:ln>
+                <a:solidFill>
+                  <a:schemeClr val="accent2">
+                    <a:lumMod val="40000"/>
+                    <a:lumOff val="60000"/>
+                  </a:schemeClr>
+                </a:solidFill>
+              </a:rPr>
+              <a:t>PORT</a:t>
+            </a:r>
+            <a:endParaRPr lang="en-US" b="1" dirty="0">
+              <a:ln w="22225">
+                <a:solidFill>
+                  <a:schemeClr val="accent2"/>
+                </a:solidFill>
+                <a:prstDash val="solid"/>
+              </a:ln>
+              <a:solidFill>
+                <a:schemeClr val="accent2">
+                  <a:lumMod val="40000"/>
+                  <a:lumOff val="60000"/>
+                </a:schemeClr>
+              </a:solidFill>
+            </a:endParaRPr>
+          </a:p>
+        </p:txBody>
+      </p:sp>
+      <p:sp>
+        <p:nvSpPr>
+          <p:cNvPr id="20" name="Rectangle 19">
+            <a:extLst>
+              <a:ext uri="{FF2B5EF4-FFF2-40B4-BE49-F238E27FC236}">
+                <a16:creationId xmlns:a16="http://schemas.microsoft.com/office/drawing/2014/main" id="{8961396C-B966-2396-78E1-68DA249C03F5}"/>
+              </a:ext>
+            </a:extLst>
+          </p:cNvPr>
+          <p:cNvSpPr/>
+          <p:nvPr/>
+        </p:nvSpPr>
+        <p:spPr>
+          <a:xfrm>
+            <a:off x="3914192" y="517639"/>
+            <a:ext cx="3349690" cy="1123567"/>
+          </a:xfrm>
+          <a:prstGeom prst="rect">
+            <a:avLst/>
+          </a:prstGeom>
+          <a:solidFill>
+            <a:srgbClr val="00B050"/>
+          </a:solidFill>
+        </p:spPr>
+        <p:style>
+          <a:lnRef idx="2">
+            <a:schemeClr val="accent1">
+              <a:shade val="15000"/>
+            </a:schemeClr>
+          </a:lnRef>
+          <a:fillRef idx="1">
+            <a:schemeClr val="accent1"/>
+          </a:fillRef>
+          <a:effectRef idx="0">
+            <a:schemeClr val="accent1"/>
+          </a:effectRef>
+          <a:fontRef idx="minor">
+            <a:schemeClr val="lt1"/>
+          </a:fontRef>
+        </p:style>
+        <p:txBody>
+          <a:bodyPr rtlCol="0" anchor="ctr"/>
+          <a:lstStyle/>
+          <a:p>
+            <a:pPr algn="ctr"/>
+            <a:r>
+              <a:rPr lang="en-IN" b="1" dirty="0"/>
+              <a:t>Microservices deployable Component with all of its dependencies </a:t>
+            </a:r>
+            <a:endParaRPr lang="en-US" b="1" dirty="0"/>
+          </a:p>
+        </p:txBody>
+      </p:sp>
     </p:spTree>
     <p:extLst>
       <p:ext uri="{BB962C8B-B14F-4D97-AF65-F5344CB8AC3E}">
         <p14:creationId xmlns:p14="http://schemas.microsoft.com/office/powerpoint/2010/main" val="1348887554"/>
+      </p:ext>
+    </p:extLst>
+  </p:cSld>
+  <p:clrMapOvr>
+    <a:masterClrMapping/>
+  </p:clrMapOvr>
+</p:sld>
+</file>
+
+<file path=ppt/slides/slide7.xml><?xml version="1.0" encoding="utf-8"?>
+<p:sld xmlns:a="http://schemas.openxmlformats.org/drawingml/2006/main" xmlns:r="http://schemas.openxmlformats.org/officeDocument/2006/relationships" xmlns:p="http://schemas.openxmlformats.org/presentationml/2006/main">
+  <p:cSld>
+    <p:spTree>
+      <p:nvGrpSpPr>
+        <p:cNvPr id="1" name=""/>
+        <p:cNvGrpSpPr/>
+        <p:nvPr/>
+      </p:nvGrpSpPr>
+      <p:grpSpPr>
+        <a:xfrm>
+          <a:off x="0" y="0"/>
+          <a:ext cx="0" cy="0"/>
+          <a:chOff x="0" y="0"/>
+          <a:chExt cx="0" cy="0"/>
+        </a:xfrm>
+      </p:grpSpPr>
+      <p:sp>
+        <p:nvSpPr>
+          <p:cNvPr id="2" name="Rectangle 1">
+            <a:extLst>
+              <a:ext uri="{FF2B5EF4-FFF2-40B4-BE49-F238E27FC236}">
+                <a16:creationId xmlns:a16="http://schemas.microsoft.com/office/drawing/2014/main" id="{452DDB62-643F-9892-1A71-422901B3E1C2}"/>
+              </a:ext>
+            </a:extLst>
+          </p:cNvPr>
+          <p:cNvSpPr/>
+          <p:nvPr/>
+        </p:nvSpPr>
+        <p:spPr>
+          <a:xfrm>
+            <a:off x="0" y="5253135"/>
+            <a:ext cx="12192000" cy="1520890"/>
+          </a:xfrm>
+          <a:prstGeom prst="rect">
+            <a:avLst/>
+          </a:prstGeom>
+        </p:spPr>
+        <p:style>
+          <a:lnRef idx="2">
+            <a:schemeClr val="accent1">
+              <a:shade val="15000"/>
+            </a:schemeClr>
+          </a:lnRef>
+          <a:fillRef idx="1">
+            <a:schemeClr val="accent1"/>
+          </a:fillRef>
+          <a:effectRef idx="0">
+            <a:schemeClr val="accent1"/>
+          </a:effectRef>
+          <a:fontRef idx="minor">
+            <a:schemeClr val="lt1"/>
+          </a:fontRef>
+        </p:style>
+        <p:txBody>
+          <a:bodyPr rtlCol="0" anchor="ctr"/>
+          <a:lstStyle/>
+          <a:p>
+            <a:pPr algn="ctr"/>
+            <a:r>
+              <a:rPr lang="en-IN" sz="3600" b="1" dirty="0"/>
+              <a:t>HOST OS</a:t>
+            </a:r>
+            <a:endParaRPr lang="en-US" sz="3600" b="1" dirty="0"/>
+          </a:p>
+        </p:txBody>
+      </p:sp>
+      <p:sp>
+        <p:nvSpPr>
+          <p:cNvPr id="3" name="Rectangle 2">
+            <a:extLst>
+              <a:ext uri="{FF2B5EF4-FFF2-40B4-BE49-F238E27FC236}">
+                <a16:creationId xmlns:a16="http://schemas.microsoft.com/office/drawing/2014/main" id="{3BAC7B3B-B7A4-D653-A0A4-E44A5A5A095E}"/>
+              </a:ext>
+            </a:extLst>
+          </p:cNvPr>
+          <p:cNvSpPr/>
+          <p:nvPr/>
+        </p:nvSpPr>
+        <p:spPr>
+          <a:xfrm>
+            <a:off x="0" y="3623389"/>
+            <a:ext cx="12192000" cy="1520890"/>
+          </a:xfrm>
+          <a:prstGeom prst="rect">
+            <a:avLst/>
+          </a:prstGeom>
+        </p:spPr>
+        <p:style>
+          <a:lnRef idx="2">
+            <a:schemeClr val="accent1">
+              <a:shade val="15000"/>
+            </a:schemeClr>
+          </a:lnRef>
+          <a:fillRef idx="1">
+            <a:schemeClr val="accent1"/>
+          </a:fillRef>
+          <a:effectRef idx="0">
+            <a:schemeClr val="accent1"/>
+          </a:effectRef>
+          <a:fontRef idx="minor">
+            <a:schemeClr val="lt1"/>
+          </a:fontRef>
+        </p:style>
+        <p:txBody>
+          <a:bodyPr rtlCol="0" anchor="ctr"/>
+          <a:lstStyle/>
+          <a:p>
+            <a:pPr algn="ctr"/>
+            <a:r>
+              <a:rPr lang="en-IN" sz="3600" b="1" dirty="0"/>
+              <a:t>Docker</a:t>
+            </a:r>
+          </a:p>
+          <a:p>
+            <a:pPr algn="ctr"/>
+            <a:r>
+              <a:rPr lang="en-IN" sz="3600" b="1" dirty="0"/>
+              <a:t>Processor, Memory, and Network Resource</a:t>
+            </a:r>
+            <a:endParaRPr lang="en-US" sz="3600" b="1" dirty="0"/>
+          </a:p>
+        </p:txBody>
+      </p:sp>
+      <p:sp>
+        <p:nvSpPr>
+          <p:cNvPr id="4" name="Rectangle 3">
+            <a:extLst>
+              <a:ext uri="{FF2B5EF4-FFF2-40B4-BE49-F238E27FC236}">
+                <a16:creationId xmlns:a16="http://schemas.microsoft.com/office/drawing/2014/main" id="{AAE8E3CA-49FB-0A53-5CCA-926BB8E35D3D}"/>
+              </a:ext>
+            </a:extLst>
+          </p:cNvPr>
+          <p:cNvSpPr/>
+          <p:nvPr/>
+        </p:nvSpPr>
+        <p:spPr>
+          <a:xfrm>
+            <a:off x="447869" y="1101012"/>
+            <a:ext cx="2295331" cy="2528596"/>
+          </a:xfrm>
+          <a:prstGeom prst="rect">
+            <a:avLst/>
+          </a:prstGeom>
+        </p:spPr>
+        <p:style>
+          <a:lnRef idx="2">
+            <a:schemeClr val="accent1">
+              <a:shade val="15000"/>
+            </a:schemeClr>
+          </a:lnRef>
+          <a:fillRef idx="1">
+            <a:schemeClr val="accent1"/>
+          </a:fillRef>
+          <a:effectRef idx="0">
+            <a:schemeClr val="accent1"/>
+          </a:effectRef>
+          <a:fontRef idx="minor">
+            <a:schemeClr val="lt1"/>
+          </a:fontRef>
+        </p:style>
+        <p:txBody>
+          <a:bodyPr rtlCol="0" anchor="ctr"/>
+          <a:lstStyle/>
+          <a:p>
+            <a:pPr algn="ctr"/>
+            <a:r>
+              <a:rPr lang="en-IN" dirty="0"/>
+              <a:t>Container 1 Category</a:t>
+            </a:r>
+            <a:endParaRPr lang="en-US" dirty="0"/>
+          </a:p>
+        </p:txBody>
+      </p:sp>
+      <p:sp>
+        <p:nvSpPr>
+          <p:cNvPr id="5" name="Rectangle 4">
+            <a:extLst>
+              <a:ext uri="{FF2B5EF4-FFF2-40B4-BE49-F238E27FC236}">
+                <a16:creationId xmlns:a16="http://schemas.microsoft.com/office/drawing/2014/main" id="{17621596-B12D-160E-8204-4336F0DE25FB}"/>
+              </a:ext>
+            </a:extLst>
+          </p:cNvPr>
+          <p:cNvSpPr/>
+          <p:nvPr/>
+        </p:nvSpPr>
+        <p:spPr>
+          <a:xfrm>
+            <a:off x="4845697" y="1073021"/>
+            <a:ext cx="2295331" cy="2528596"/>
+          </a:xfrm>
+          <a:prstGeom prst="rect">
+            <a:avLst/>
+          </a:prstGeom>
+        </p:spPr>
+        <p:style>
+          <a:lnRef idx="2">
+            <a:schemeClr val="accent1">
+              <a:shade val="15000"/>
+            </a:schemeClr>
+          </a:lnRef>
+          <a:fillRef idx="1">
+            <a:schemeClr val="accent1"/>
+          </a:fillRef>
+          <a:effectRef idx="0">
+            <a:schemeClr val="accent1"/>
+          </a:effectRef>
+          <a:fontRef idx="minor">
+            <a:schemeClr val="lt1"/>
+          </a:fontRef>
+        </p:style>
+        <p:txBody>
+          <a:bodyPr rtlCol="0" anchor="ctr"/>
+          <a:lstStyle/>
+          <a:p>
+            <a:pPr algn="ctr"/>
+            <a:r>
+              <a:rPr lang="en-IN" dirty="0"/>
+              <a:t>Container 2</a:t>
+            </a:r>
+          </a:p>
+          <a:p>
+            <a:pPr algn="ctr"/>
+            <a:r>
+              <a:rPr lang="en-IN"/>
+              <a:t>Product</a:t>
+            </a:r>
+            <a:endParaRPr lang="en-US" dirty="0"/>
+          </a:p>
+        </p:txBody>
+      </p:sp>
+    </p:spTree>
+    <p:extLst>
+      <p:ext uri="{BB962C8B-B14F-4D97-AF65-F5344CB8AC3E}">
+        <p14:creationId xmlns:p14="http://schemas.microsoft.com/office/powerpoint/2010/main" val="1008796223"/>
       </p:ext>
     </p:extLst>
   </p:cSld>

--- a/TRaiing_Images.pptx
+++ b/TRaiing_Images.pptx
@@ -12,6 +12,10 @@
     <p:sldId id="260" r:id="rId6"/>
     <p:sldId id="261" r:id="rId7"/>
     <p:sldId id="262" r:id="rId8"/>
+    <p:sldId id="263" r:id="rId9"/>
+    <p:sldId id="264" r:id="rId10"/>
+    <p:sldId id="265" r:id="rId11"/>
+    <p:sldId id="266" r:id="rId12"/>
   </p:sldIdLst>
   <p:sldSz cx="12192000" cy="6858000"/>
   <p:notesSz cx="6858000" cy="9144000"/>
@@ -265,7 +269,7 @@
           <a:p>
             <a:fld id="{EAFA7C19-5B2C-4229-8259-A49885222B35}" type="datetimeFigureOut">
               <a:rPr lang="en-US" smtClean="0"/>
-              <a:t>7/25/2023</a:t>
+              <a:t>7/26/2023</a:t>
             </a:fld>
             <a:endParaRPr lang="en-US"/>
           </a:p>
@@ -463,7 +467,7 @@
           <a:p>
             <a:fld id="{EAFA7C19-5B2C-4229-8259-A49885222B35}" type="datetimeFigureOut">
               <a:rPr lang="en-US" smtClean="0"/>
-              <a:t>7/25/2023</a:t>
+              <a:t>7/26/2023</a:t>
             </a:fld>
             <a:endParaRPr lang="en-US"/>
           </a:p>
@@ -671,7 +675,7 @@
           <a:p>
             <a:fld id="{EAFA7C19-5B2C-4229-8259-A49885222B35}" type="datetimeFigureOut">
               <a:rPr lang="en-US" smtClean="0"/>
-              <a:t>7/25/2023</a:t>
+              <a:t>7/26/2023</a:t>
             </a:fld>
             <a:endParaRPr lang="en-US"/>
           </a:p>
@@ -869,7 +873,7 @@
           <a:p>
             <a:fld id="{EAFA7C19-5B2C-4229-8259-A49885222B35}" type="datetimeFigureOut">
               <a:rPr lang="en-US" smtClean="0"/>
-              <a:t>7/25/2023</a:t>
+              <a:t>7/26/2023</a:t>
             </a:fld>
             <a:endParaRPr lang="en-US"/>
           </a:p>
@@ -1144,7 +1148,7 @@
           <a:p>
             <a:fld id="{EAFA7C19-5B2C-4229-8259-A49885222B35}" type="datetimeFigureOut">
               <a:rPr lang="en-US" smtClean="0"/>
-              <a:t>7/25/2023</a:t>
+              <a:t>7/26/2023</a:t>
             </a:fld>
             <a:endParaRPr lang="en-US"/>
           </a:p>
@@ -1409,7 +1413,7 @@
           <a:p>
             <a:fld id="{EAFA7C19-5B2C-4229-8259-A49885222B35}" type="datetimeFigureOut">
               <a:rPr lang="en-US" smtClean="0"/>
-              <a:t>7/25/2023</a:t>
+              <a:t>7/26/2023</a:t>
             </a:fld>
             <a:endParaRPr lang="en-US"/>
           </a:p>
@@ -1821,7 +1825,7 @@
           <a:p>
             <a:fld id="{EAFA7C19-5B2C-4229-8259-A49885222B35}" type="datetimeFigureOut">
               <a:rPr lang="en-US" smtClean="0"/>
-              <a:t>7/25/2023</a:t>
+              <a:t>7/26/2023</a:t>
             </a:fld>
             <a:endParaRPr lang="en-US"/>
           </a:p>
@@ -1962,7 +1966,7 @@
           <a:p>
             <a:fld id="{EAFA7C19-5B2C-4229-8259-A49885222B35}" type="datetimeFigureOut">
               <a:rPr lang="en-US" smtClean="0"/>
-              <a:t>7/25/2023</a:t>
+              <a:t>7/26/2023</a:t>
             </a:fld>
             <a:endParaRPr lang="en-US"/>
           </a:p>
@@ -2075,7 +2079,7 @@
           <a:p>
             <a:fld id="{EAFA7C19-5B2C-4229-8259-A49885222B35}" type="datetimeFigureOut">
               <a:rPr lang="en-US" smtClean="0"/>
-              <a:t>7/25/2023</a:t>
+              <a:t>7/26/2023</a:t>
             </a:fld>
             <a:endParaRPr lang="en-US"/>
           </a:p>
@@ -2386,7 +2390,7 @@
           <a:p>
             <a:fld id="{EAFA7C19-5B2C-4229-8259-A49885222B35}" type="datetimeFigureOut">
               <a:rPr lang="en-US" smtClean="0"/>
-              <a:t>7/25/2023</a:t>
+              <a:t>7/26/2023</a:t>
             </a:fld>
             <a:endParaRPr lang="en-US"/>
           </a:p>
@@ -2674,7 +2678,7 @@
           <a:p>
             <a:fld id="{EAFA7C19-5B2C-4229-8259-A49885222B35}" type="datetimeFigureOut">
               <a:rPr lang="en-US" smtClean="0"/>
-              <a:t>7/25/2023</a:t>
+              <a:t>7/26/2023</a:t>
             </a:fld>
             <a:endParaRPr lang="en-US"/>
           </a:p>
@@ -2915,7 +2919,7 @@
           <a:p>
             <a:fld id="{EAFA7C19-5B2C-4229-8259-A49885222B35}" type="datetimeFigureOut">
               <a:rPr lang="en-US" smtClean="0"/>
-              <a:t>7/25/2023</a:t>
+              <a:t>7/26/2023</a:t>
             </a:fld>
             <a:endParaRPr lang="en-US"/>
           </a:p>
@@ -3715,6 +3719,502 @@
 </p:sld>
 </file>
 
+<file path=ppt/slides/slide10.xml><?xml version="1.0" encoding="utf-8"?>
+<p:sld xmlns:a="http://schemas.openxmlformats.org/drawingml/2006/main" xmlns:r="http://schemas.openxmlformats.org/officeDocument/2006/relationships" xmlns:p="http://schemas.openxmlformats.org/presentationml/2006/main">
+  <p:cSld>
+    <p:spTree>
+      <p:nvGrpSpPr>
+        <p:cNvPr id="1" name=""/>
+        <p:cNvGrpSpPr/>
+        <p:nvPr/>
+      </p:nvGrpSpPr>
+      <p:grpSpPr>
+        <a:xfrm>
+          <a:off x="0" y="0"/>
+          <a:ext cx="0" cy="0"/>
+          <a:chOff x="0" y="0"/>
+          <a:chExt cx="0" cy="0"/>
+        </a:xfrm>
+      </p:grpSpPr>
+      <p:graphicFrame>
+        <p:nvGraphicFramePr>
+          <p:cNvPr id="2" name="Table 2">
+            <a:extLst>
+              <a:ext uri="{FF2B5EF4-FFF2-40B4-BE49-F238E27FC236}">
+                <a16:creationId xmlns:a16="http://schemas.microsoft.com/office/drawing/2014/main" id="{A2B48051-2D36-B0E8-7924-79DDBD67640D}"/>
+              </a:ext>
+            </a:extLst>
+          </p:cNvPr>
+          <p:cNvGraphicFramePr>
+            <a:graphicFrameLocks noGrp="1"/>
+          </p:cNvGraphicFramePr>
+          <p:nvPr>
+            <p:extLst>
+              <p:ext uri="{D42A27DB-BD31-4B8C-83A1-F6EECF244321}">
+                <p14:modId xmlns:p14="http://schemas.microsoft.com/office/powerpoint/2010/main" val="871921718"/>
+              </p:ext>
+            </p:extLst>
+          </p:nvPr>
+        </p:nvGraphicFramePr>
+        <p:xfrm>
+          <a:off x="1882710" y="1251511"/>
+          <a:ext cx="8128000" cy="1112520"/>
+        </p:xfrm>
+        <a:graphic>
+          <a:graphicData uri="http://schemas.openxmlformats.org/drawingml/2006/table">
+            <a:tbl>
+              <a:tblPr firstRow="1" bandRow="1">
+                <a:tableStyleId>{5C22544A-7EE6-4342-B048-85BDC9FD1C3A}</a:tableStyleId>
+              </a:tblPr>
+              <a:tblGrid>
+                <a:gridCol w="4064000">
+                  <a:extLst>
+                    <a:ext uri="{9D8B030D-6E8A-4147-A177-3AD203B41FA5}">
+                      <a16:colId xmlns:a16="http://schemas.microsoft.com/office/drawing/2014/main" val="887348762"/>
+                    </a:ext>
+                  </a:extLst>
+                </a:gridCol>
+                <a:gridCol w="4064000">
+                  <a:extLst>
+                    <a:ext uri="{9D8B030D-6E8A-4147-A177-3AD203B41FA5}">
+                      <a16:colId xmlns:a16="http://schemas.microsoft.com/office/drawing/2014/main" val="3981468018"/>
+                    </a:ext>
+                  </a:extLst>
+                </a:gridCol>
+              </a:tblGrid>
+              <a:tr h="370840">
+                <a:tc>
+                  <a:txBody>
+                    <a:bodyPr/>
+                    <a:lstStyle/>
+                    <a:p>
+                      <a:r>
+                        <a:rPr lang="en-IN" dirty="0"/>
+                        <a:t>Up Stream</a:t>
+                      </a:r>
+                      <a:endParaRPr lang="en-US" dirty="0"/>
+                    </a:p>
+                  </a:txBody>
+                  <a:tcPr/>
+                </a:tc>
+                <a:tc>
+                  <a:txBody>
+                    <a:bodyPr/>
+                    <a:lstStyle/>
+                    <a:p>
+                      <a:r>
+                        <a:rPr lang="en-IN" dirty="0"/>
+                        <a:t>Down Stream</a:t>
+                      </a:r>
+                      <a:endParaRPr lang="en-US" dirty="0"/>
+                    </a:p>
+                  </a:txBody>
+                  <a:tcPr/>
+                </a:tc>
+                <a:extLst>
+                  <a:ext uri="{0D108BD9-81ED-4DB2-BD59-A6C34878D82A}">
+                    <a16:rowId xmlns:a16="http://schemas.microsoft.com/office/drawing/2014/main" val="4029642309"/>
+                  </a:ext>
+                </a:extLst>
+              </a:tr>
+              <a:tr h="370840">
+                <a:tc>
+                  <a:txBody>
+                    <a:bodyPr/>
+                    <a:lstStyle/>
+                    <a:p>
+                      <a:r>
+                        <a:rPr lang="en-IN" dirty="0"/>
+                        <a:t>8080, GET, POST</a:t>
+                      </a:r>
+                      <a:endParaRPr lang="en-US" dirty="0"/>
+                    </a:p>
+                  </a:txBody>
+                  <a:tcPr/>
+                </a:tc>
+                <a:tc>
+                  <a:txBody>
+                    <a:bodyPr/>
+                    <a:lstStyle/>
+                    <a:p>
+                      <a:r>
+                        <a:rPr lang="en-IN" dirty="0"/>
+                        <a:t>https://MyServer/api/Serv1</a:t>
+                      </a:r>
+                      <a:endParaRPr lang="en-US" dirty="0"/>
+                    </a:p>
+                  </a:txBody>
+                  <a:tcPr/>
+                </a:tc>
+                <a:extLst>
+                  <a:ext uri="{0D108BD9-81ED-4DB2-BD59-A6C34878D82A}">
+                    <a16:rowId xmlns:a16="http://schemas.microsoft.com/office/drawing/2014/main" val="3772358479"/>
+                  </a:ext>
+                </a:extLst>
+              </a:tr>
+              <a:tr h="370840">
+                <a:tc>
+                  <a:txBody>
+                    <a:bodyPr/>
+                    <a:lstStyle/>
+                    <a:p>
+                      <a:r>
+                        <a:rPr lang="en-IN" dirty="0"/>
+                        <a:t>8081, GET</a:t>
+                      </a:r>
+                      <a:endParaRPr lang="en-US" dirty="0"/>
+                    </a:p>
+                  </a:txBody>
+                  <a:tcPr/>
+                </a:tc>
+                <a:tc>
+                  <a:txBody>
+                    <a:bodyPr/>
+                    <a:lstStyle/>
+                    <a:p>
+                      <a:r>
+                        <a:rPr lang="en-IN" dirty="0"/>
+                        <a:t>https://MyServer1/api/Serv2</a:t>
+                      </a:r>
+                      <a:endParaRPr lang="en-US" dirty="0"/>
+                    </a:p>
+                  </a:txBody>
+                  <a:tcPr/>
+                </a:tc>
+                <a:extLst>
+                  <a:ext uri="{0D108BD9-81ED-4DB2-BD59-A6C34878D82A}">
+                    <a16:rowId xmlns:a16="http://schemas.microsoft.com/office/drawing/2014/main" val="33221169"/>
+                  </a:ext>
+                </a:extLst>
+              </a:tr>
+            </a:tbl>
+          </a:graphicData>
+        </a:graphic>
+      </p:graphicFrame>
+      <p:sp>
+        <p:nvSpPr>
+          <p:cNvPr id="3" name="TextBox 2">
+            <a:extLst>
+              <a:ext uri="{FF2B5EF4-FFF2-40B4-BE49-F238E27FC236}">
+                <a16:creationId xmlns:a16="http://schemas.microsoft.com/office/drawing/2014/main" id="{B591C397-1436-2BB9-0589-C43868E7647D}"/>
+              </a:ext>
+            </a:extLst>
+          </p:cNvPr>
+          <p:cNvSpPr txBox="1"/>
+          <p:nvPr/>
+        </p:nvSpPr>
+        <p:spPr>
+          <a:xfrm>
+            <a:off x="1287624" y="597159"/>
+            <a:ext cx="4189445" cy="369332"/>
+          </a:xfrm>
+          <a:prstGeom prst="rect">
+            <a:avLst/>
+          </a:prstGeom>
+          <a:noFill/>
+        </p:spPr>
+        <p:txBody>
+          <a:bodyPr wrap="square" rtlCol="0">
+            <a:spAutoFit/>
+          </a:bodyPr>
+          <a:lstStyle/>
+          <a:p>
+            <a:r>
+              <a:rPr lang="en-IN" dirty="0"/>
+              <a:t>https://MyGateWay/Serv</a:t>
+            </a:r>
+            <a:endParaRPr lang="en-US" dirty="0"/>
+          </a:p>
+        </p:txBody>
+      </p:sp>
+      <p:sp>
+        <p:nvSpPr>
+          <p:cNvPr id="4" name="Arrow: Right 3">
+            <a:extLst>
+              <a:ext uri="{FF2B5EF4-FFF2-40B4-BE49-F238E27FC236}">
+                <a16:creationId xmlns:a16="http://schemas.microsoft.com/office/drawing/2014/main" id="{08737604-6097-0F13-4848-4401F7D1D2D7}"/>
+              </a:ext>
+            </a:extLst>
+          </p:cNvPr>
+          <p:cNvSpPr/>
+          <p:nvPr/>
+        </p:nvSpPr>
+        <p:spPr>
+          <a:xfrm>
+            <a:off x="653143" y="3429000"/>
+            <a:ext cx="3396343" cy="1112520"/>
+          </a:xfrm>
+          <a:prstGeom prst="rightArrow">
+            <a:avLst/>
+          </a:prstGeom>
+        </p:spPr>
+        <p:style>
+          <a:lnRef idx="2">
+            <a:schemeClr val="accent1">
+              <a:shade val="15000"/>
+            </a:schemeClr>
+          </a:lnRef>
+          <a:fillRef idx="1">
+            <a:schemeClr val="accent1"/>
+          </a:fillRef>
+          <a:effectRef idx="0">
+            <a:schemeClr val="accent1"/>
+          </a:effectRef>
+          <a:fontRef idx="minor">
+            <a:schemeClr val="lt1"/>
+          </a:fontRef>
+        </p:style>
+        <p:txBody>
+          <a:bodyPr rtlCol="0" anchor="ctr"/>
+          <a:lstStyle/>
+          <a:p>
+            <a:pPr algn="ctr"/>
+            <a:r>
+              <a:rPr lang="en-IN" dirty="0"/>
+              <a:t>http://MyGateWat/Serv:8080</a:t>
+            </a:r>
+            <a:endParaRPr lang="en-US" dirty="0"/>
+          </a:p>
+        </p:txBody>
+      </p:sp>
+      <p:cxnSp>
+        <p:nvCxnSpPr>
+          <p:cNvPr id="6" name="Straight Arrow Connector 5">
+            <a:extLst>
+              <a:ext uri="{FF2B5EF4-FFF2-40B4-BE49-F238E27FC236}">
+                <a16:creationId xmlns:a16="http://schemas.microsoft.com/office/drawing/2014/main" id="{781FDCDC-568B-6F33-5C25-49D2CCEC8370}"/>
+              </a:ext>
+            </a:extLst>
+          </p:cNvPr>
+          <p:cNvCxnSpPr>
+            <a:stCxn id="4" idx="3"/>
+          </p:cNvCxnSpPr>
+          <p:nvPr/>
+        </p:nvCxnSpPr>
+        <p:spPr>
+          <a:xfrm flipV="1">
+            <a:off x="4049486" y="1884784"/>
+            <a:ext cx="1912775" cy="2100476"/>
+          </a:xfrm>
+          <a:prstGeom prst="straightConnector1">
+            <a:avLst/>
+          </a:prstGeom>
+          <a:ln>
+            <a:tailEnd type="triangle"/>
+          </a:ln>
+        </p:spPr>
+        <p:style>
+          <a:lnRef idx="1">
+            <a:schemeClr val="accent1"/>
+          </a:lnRef>
+          <a:fillRef idx="0">
+            <a:schemeClr val="accent1"/>
+          </a:fillRef>
+          <a:effectRef idx="0">
+            <a:schemeClr val="accent1"/>
+          </a:effectRef>
+          <a:fontRef idx="minor">
+            <a:schemeClr val="tx1"/>
+          </a:fontRef>
+        </p:style>
+      </p:cxnSp>
+    </p:spTree>
+    <p:extLst>
+      <p:ext uri="{BB962C8B-B14F-4D97-AF65-F5344CB8AC3E}">
+        <p14:creationId xmlns:p14="http://schemas.microsoft.com/office/powerpoint/2010/main" val="171247048"/>
+      </p:ext>
+    </p:extLst>
+  </p:cSld>
+  <p:clrMapOvr>
+    <a:masterClrMapping/>
+  </p:clrMapOvr>
+</p:sld>
+</file>
+
+<file path=ppt/slides/slide11.xml><?xml version="1.0" encoding="utf-8"?>
+<p:sld xmlns:a="http://schemas.openxmlformats.org/drawingml/2006/main" xmlns:r="http://schemas.openxmlformats.org/officeDocument/2006/relationships" xmlns:p="http://schemas.openxmlformats.org/presentationml/2006/main">
+  <p:cSld>
+    <p:spTree>
+      <p:nvGrpSpPr>
+        <p:cNvPr id="1" name=""/>
+        <p:cNvGrpSpPr/>
+        <p:nvPr/>
+      </p:nvGrpSpPr>
+      <p:grpSpPr>
+        <a:xfrm>
+          <a:off x="0" y="0"/>
+          <a:ext cx="0" cy="0"/>
+          <a:chOff x="0" y="0"/>
+          <a:chExt cx="0" cy="0"/>
+        </a:xfrm>
+      </p:grpSpPr>
+      <p:sp>
+        <p:nvSpPr>
+          <p:cNvPr id="2" name="Rectangle: Rounded Corners 1">
+            <a:extLst>
+              <a:ext uri="{FF2B5EF4-FFF2-40B4-BE49-F238E27FC236}">
+                <a16:creationId xmlns:a16="http://schemas.microsoft.com/office/drawing/2014/main" id="{39A739CD-9638-8C8F-BDC5-C0C54F540F42}"/>
+              </a:ext>
+            </a:extLst>
+          </p:cNvPr>
+          <p:cNvSpPr/>
+          <p:nvPr/>
+        </p:nvSpPr>
+        <p:spPr>
+          <a:xfrm>
+            <a:off x="7725747" y="317241"/>
+            <a:ext cx="2463282" cy="2043404"/>
+          </a:xfrm>
+          <a:prstGeom prst="roundRect">
+            <a:avLst/>
+          </a:prstGeom>
+        </p:spPr>
+        <p:style>
+          <a:lnRef idx="2">
+            <a:schemeClr val="accent1">
+              <a:shade val="15000"/>
+            </a:schemeClr>
+          </a:lnRef>
+          <a:fillRef idx="1">
+            <a:schemeClr val="accent1"/>
+          </a:fillRef>
+          <a:effectRef idx="0">
+            <a:schemeClr val="accent1"/>
+          </a:effectRef>
+          <a:fontRef idx="minor">
+            <a:schemeClr val="lt1"/>
+          </a:fontRef>
+        </p:style>
+        <p:txBody>
+          <a:bodyPr rtlCol="0" anchor="ctr"/>
+          <a:lstStyle/>
+          <a:p>
+            <a:pPr algn="ctr"/>
+            <a:r>
+              <a:rPr lang="en-IN" dirty="0" err="1"/>
+              <a:t>ProductService</a:t>
+            </a:r>
+            <a:endParaRPr lang="en-US" dirty="0"/>
+          </a:p>
+        </p:txBody>
+      </p:sp>
+      <p:sp>
+        <p:nvSpPr>
+          <p:cNvPr id="3" name="Rectangle: Rounded Corners 2">
+            <a:extLst>
+              <a:ext uri="{FF2B5EF4-FFF2-40B4-BE49-F238E27FC236}">
+                <a16:creationId xmlns:a16="http://schemas.microsoft.com/office/drawing/2014/main" id="{221FF4DE-E727-210C-18F5-5073D680CB2C}"/>
+              </a:ext>
+            </a:extLst>
+          </p:cNvPr>
+          <p:cNvSpPr/>
+          <p:nvPr/>
+        </p:nvSpPr>
+        <p:spPr>
+          <a:xfrm>
+            <a:off x="7878147" y="3875314"/>
+            <a:ext cx="2463282" cy="2043404"/>
+          </a:xfrm>
+          <a:prstGeom prst="roundRect">
+            <a:avLst/>
+          </a:prstGeom>
+        </p:spPr>
+        <p:style>
+          <a:lnRef idx="2">
+            <a:schemeClr val="accent1">
+              <a:shade val="15000"/>
+            </a:schemeClr>
+          </a:lnRef>
+          <a:fillRef idx="1">
+            <a:schemeClr val="accent1"/>
+          </a:fillRef>
+          <a:effectRef idx="0">
+            <a:schemeClr val="accent1"/>
+          </a:effectRef>
+          <a:fontRef idx="minor">
+            <a:schemeClr val="lt1"/>
+          </a:fontRef>
+        </p:style>
+        <p:txBody>
+          <a:bodyPr rtlCol="0" anchor="ctr"/>
+          <a:lstStyle/>
+          <a:p>
+            <a:pPr algn="ctr"/>
+            <a:r>
+              <a:rPr lang="en-IN" dirty="0" err="1"/>
+              <a:t>CategoryService</a:t>
+            </a:r>
+            <a:endParaRPr lang="en-US" dirty="0"/>
+          </a:p>
+        </p:txBody>
+      </p:sp>
+      <p:sp>
+        <p:nvSpPr>
+          <p:cNvPr id="4" name="Rectangle: Rounded Corners 3">
+            <a:extLst>
+              <a:ext uri="{FF2B5EF4-FFF2-40B4-BE49-F238E27FC236}">
+                <a16:creationId xmlns:a16="http://schemas.microsoft.com/office/drawing/2014/main" id="{28381088-E02B-22BC-7AC0-BFDB477B5F95}"/>
+              </a:ext>
+            </a:extLst>
+          </p:cNvPr>
+          <p:cNvSpPr/>
+          <p:nvPr/>
+        </p:nvSpPr>
+        <p:spPr>
+          <a:xfrm>
+            <a:off x="4173894" y="2289110"/>
+            <a:ext cx="2463282" cy="2043404"/>
+          </a:xfrm>
+          <a:prstGeom prst="roundRect">
+            <a:avLst/>
+          </a:prstGeom>
+        </p:spPr>
+        <p:style>
+          <a:lnRef idx="2">
+            <a:schemeClr val="accent1">
+              <a:shade val="15000"/>
+            </a:schemeClr>
+          </a:lnRef>
+          <a:fillRef idx="1">
+            <a:schemeClr val="accent1"/>
+          </a:fillRef>
+          <a:effectRef idx="0">
+            <a:schemeClr val="accent1"/>
+          </a:effectRef>
+          <a:fontRef idx="minor">
+            <a:schemeClr val="lt1"/>
+          </a:fontRef>
+        </p:style>
+        <p:txBody>
+          <a:bodyPr rtlCol="0" anchor="ctr"/>
+          <a:lstStyle/>
+          <a:p>
+            <a:pPr algn="ctr"/>
+            <a:r>
+              <a:rPr lang="en-IN" dirty="0"/>
+              <a:t>API </a:t>
+            </a:r>
+            <a:r>
+              <a:rPr lang="en-IN"/>
+              <a:t>Gateway Service</a:t>
+            </a:r>
+            <a:endParaRPr lang="en-US" dirty="0"/>
+          </a:p>
+        </p:txBody>
+      </p:sp>
+    </p:spTree>
+    <p:extLst>
+      <p:ext uri="{BB962C8B-B14F-4D97-AF65-F5344CB8AC3E}">
+        <p14:creationId xmlns:p14="http://schemas.microsoft.com/office/powerpoint/2010/main" val="3977097281"/>
+      </p:ext>
+    </p:extLst>
+  </p:cSld>
+  <p:clrMapOvr>
+    <a:masterClrMapping/>
+  </p:clrMapOvr>
+</p:sld>
+</file>
+
 <file path=ppt/slides/slide2.xml><?xml version="1.0" encoding="utf-8"?>
 <p:sld xmlns:a="http://schemas.openxmlformats.org/drawingml/2006/main" xmlns:r="http://schemas.openxmlformats.org/officeDocument/2006/relationships" xmlns:p="http://schemas.openxmlformats.org/presentationml/2006/main">
   <p:cSld>
@@ -6877,7 +7377,7 @@
           <a:p>
             <a:pPr algn="ctr"/>
             <a:r>
-              <a:rPr lang="en-IN"/>
+              <a:rPr lang="en-IN" dirty="0"/>
               <a:t>Product</a:t>
             </a:r>
             <a:endParaRPr lang="en-US" dirty="0"/>
@@ -6888,6 +7388,1298 @@
     <p:extLst>
       <p:ext uri="{BB962C8B-B14F-4D97-AF65-F5344CB8AC3E}">
         <p14:creationId xmlns:p14="http://schemas.microsoft.com/office/powerpoint/2010/main" val="1008796223"/>
+      </p:ext>
+    </p:extLst>
+  </p:cSld>
+  <p:clrMapOvr>
+    <a:masterClrMapping/>
+  </p:clrMapOvr>
+</p:sld>
+</file>
+
+<file path=ppt/slides/slide8.xml><?xml version="1.0" encoding="utf-8"?>
+<p:sld xmlns:a="http://schemas.openxmlformats.org/drawingml/2006/main" xmlns:r="http://schemas.openxmlformats.org/officeDocument/2006/relationships" xmlns:p="http://schemas.openxmlformats.org/presentationml/2006/main">
+  <p:cSld>
+    <p:spTree>
+      <p:nvGrpSpPr>
+        <p:cNvPr id="1" name=""/>
+        <p:cNvGrpSpPr/>
+        <p:nvPr/>
+      </p:nvGrpSpPr>
+      <p:grpSpPr>
+        <a:xfrm>
+          <a:off x="0" y="0"/>
+          <a:ext cx="0" cy="0"/>
+          <a:chOff x="0" y="0"/>
+          <a:chExt cx="0" cy="0"/>
+        </a:xfrm>
+      </p:grpSpPr>
+      <p:sp>
+        <p:nvSpPr>
+          <p:cNvPr id="2" name="Cube 1">
+            <a:extLst>
+              <a:ext uri="{FF2B5EF4-FFF2-40B4-BE49-F238E27FC236}">
+                <a16:creationId xmlns:a16="http://schemas.microsoft.com/office/drawing/2014/main" id="{CA894CFC-0CB9-93CC-A830-0B9BAC90DFDC}"/>
+              </a:ext>
+            </a:extLst>
+          </p:cNvPr>
+          <p:cNvSpPr/>
+          <p:nvPr/>
+        </p:nvSpPr>
+        <p:spPr>
+          <a:xfrm>
+            <a:off x="6727372" y="989044"/>
+            <a:ext cx="1763485" cy="2085392"/>
+          </a:xfrm>
+          <a:prstGeom prst="cube">
+            <a:avLst/>
+          </a:prstGeom>
+        </p:spPr>
+        <p:style>
+          <a:lnRef idx="2">
+            <a:schemeClr val="accent1">
+              <a:shade val="15000"/>
+            </a:schemeClr>
+          </a:lnRef>
+          <a:fillRef idx="1">
+            <a:schemeClr val="accent1"/>
+          </a:fillRef>
+          <a:effectRef idx="0">
+            <a:schemeClr val="accent1"/>
+          </a:effectRef>
+          <a:fontRef idx="minor">
+            <a:schemeClr val="lt1"/>
+          </a:fontRef>
+        </p:style>
+        <p:txBody>
+          <a:bodyPr rtlCol="0" anchor="ctr"/>
+          <a:lstStyle/>
+          <a:p>
+            <a:pPr algn="ctr"/>
+            <a:r>
+              <a:rPr lang="en-IN" dirty="0" err="1"/>
+              <a:t>REad</a:t>
+            </a:r>
+            <a:endParaRPr lang="en-US" dirty="0"/>
+          </a:p>
+        </p:txBody>
+      </p:sp>
+      <p:sp>
+        <p:nvSpPr>
+          <p:cNvPr id="3" name="Cube 2">
+            <a:extLst>
+              <a:ext uri="{FF2B5EF4-FFF2-40B4-BE49-F238E27FC236}">
+                <a16:creationId xmlns:a16="http://schemas.microsoft.com/office/drawing/2014/main" id="{F211CCAB-C963-D155-EE19-8D30BD6264A8}"/>
+              </a:ext>
+            </a:extLst>
+          </p:cNvPr>
+          <p:cNvSpPr/>
+          <p:nvPr/>
+        </p:nvSpPr>
+        <p:spPr>
+          <a:xfrm>
+            <a:off x="6534539" y="3912636"/>
+            <a:ext cx="1763485" cy="2085392"/>
+          </a:xfrm>
+          <a:prstGeom prst="cube">
+            <a:avLst/>
+          </a:prstGeom>
+        </p:spPr>
+        <p:style>
+          <a:lnRef idx="2">
+            <a:schemeClr val="accent1">
+              <a:shade val="15000"/>
+            </a:schemeClr>
+          </a:lnRef>
+          <a:fillRef idx="1">
+            <a:schemeClr val="accent1"/>
+          </a:fillRef>
+          <a:effectRef idx="0">
+            <a:schemeClr val="accent1"/>
+          </a:effectRef>
+          <a:fontRef idx="minor">
+            <a:schemeClr val="lt1"/>
+          </a:fontRef>
+        </p:style>
+        <p:txBody>
+          <a:bodyPr rtlCol="0" anchor="ctr"/>
+          <a:lstStyle/>
+          <a:p>
+            <a:pPr algn="ctr"/>
+            <a:r>
+              <a:rPr lang="en-IN" dirty="0"/>
+              <a:t>Write</a:t>
+            </a:r>
+            <a:endParaRPr lang="en-US" dirty="0"/>
+          </a:p>
+        </p:txBody>
+      </p:sp>
+      <p:sp>
+        <p:nvSpPr>
+          <p:cNvPr id="4" name="Cylinder 3">
+            <a:extLst>
+              <a:ext uri="{FF2B5EF4-FFF2-40B4-BE49-F238E27FC236}">
+                <a16:creationId xmlns:a16="http://schemas.microsoft.com/office/drawing/2014/main" id="{D2276925-3C90-A2E3-EAAA-D9BEE9A0DC86}"/>
+              </a:ext>
+            </a:extLst>
+          </p:cNvPr>
+          <p:cNvSpPr/>
+          <p:nvPr/>
+        </p:nvSpPr>
+        <p:spPr>
+          <a:xfrm>
+            <a:off x="10273004" y="3429000"/>
+            <a:ext cx="1222311" cy="765110"/>
+          </a:xfrm>
+          <a:prstGeom prst="can">
+            <a:avLst/>
+          </a:prstGeom>
+        </p:spPr>
+        <p:style>
+          <a:lnRef idx="2">
+            <a:schemeClr val="accent1">
+              <a:shade val="15000"/>
+            </a:schemeClr>
+          </a:lnRef>
+          <a:fillRef idx="1">
+            <a:schemeClr val="accent1"/>
+          </a:fillRef>
+          <a:effectRef idx="0">
+            <a:schemeClr val="accent1"/>
+          </a:effectRef>
+          <a:fontRef idx="minor">
+            <a:schemeClr val="lt1"/>
+          </a:fontRef>
+        </p:style>
+        <p:txBody>
+          <a:bodyPr rtlCol="0" anchor="ctr"/>
+          <a:lstStyle/>
+          <a:p>
+            <a:pPr algn="ctr"/>
+            <a:endParaRPr lang="en-US"/>
+          </a:p>
+        </p:txBody>
+      </p:sp>
+      <p:sp>
+        <p:nvSpPr>
+          <p:cNvPr id="6" name="Flowchart: Multidocument 5">
+            <a:extLst>
+              <a:ext uri="{FF2B5EF4-FFF2-40B4-BE49-F238E27FC236}">
+                <a16:creationId xmlns:a16="http://schemas.microsoft.com/office/drawing/2014/main" id="{6D2E6219-26DE-94B5-CAC0-E570A40C931E}"/>
+              </a:ext>
+            </a:extLst>
+          </p:cNvPr>
+          <p:cNvSpPr/>
+          <p:nvPr/>
+        </p:nvSpPr>
+        <p:spPr>
+          <a:xfrm>
+            <a:off x="9797143" y="1352939"/>
+            <a:ext cx="1595534" cy="1082351"/>
+          </a:xfrm>
+          <a:prstGeom prst="flowChartMultidocument">
+            <a:avLst/>
+          </a:prstGeom>
+        </p:spPr>
+        <p:style>
+          <a:lnRef idx="2">
+            <a:schemeClr val="accent1">
+              <a:shade val="15000"/>
+            </a:schemeClr>
+          </a:lnRef>
+          <a:fillRef idx="1">
+            <a:schemeClr val="accent1"/>
+          </a:fillRef>
+          <a:effectRef idx="0">
+            <a:schemeClr val="accent1"/>
+          </a:effectRef>
+          <a:fontRef idx="minor">
+            <a:schemeClr val="lt1"/>
+          </a:fontRef>
+        </p:style>
+        <p:txBody>
+          <a:bodyPr rtlCol="0" anchor="ctr"/>
+          <a:lstStyle/>
+          <a:p>
+            <a:pPr algn="ctr"/>
+            <a:r>
+              <a:rPr lang="en-IN" dirty="0"/>
+              <a:t>Cache</a:t>
+            </a:r>
+            <a:endParaRPr lang="en-US" dirty="0"/>
+          </a:p>
+        </p:txBody>
+      </p:sp>
+      <p:sp>
+        <p:nvSpPr>
+          <p:cNvPr id="7" name="Arrow: Up 6">
+            <a:extLst>
+              <a:ext uri="{FF2B5EF4-FFF2-40B4-BE49-F238E27FC236}">
+                <a16:creationId xmlns:a16="http://schemas.microsoft.com/office/drawing/2014/main" id="{56A1F533-1146-899A-13BC-8D95D660791E}"/>
+              </a:ext>
+            </a:extLst>
+          </p:cNvPr>
+          <p:cNvSpPr/>
+          <p:nvPr/>
+        </p:nvSpPr>
+        <p:spPr>
+          <a:xfrm>
+            <a:off x="10496939" y="2202024"/>
+            <a:ext cx="597159" cy="1306286"/>
+          </a:xfrm>
+          <a:prstGeom prst="upArrow">
+            <a:avLst/>
+          </a:prstGeom>
+        </p:spPr>
+        <p:style>
+          <a:lnRef idx="2">
+            <a:schemeClr val="accent1">
+              <a:shade val="15000"/>
+            </a:schemeClr>
+          </a:lnRef>
+          <a:fillRef idx="1">
+            <a:schemeClr val="accent1"/>
+          </a:fillRef>
+          <a:effectRef idx="0">
+            <a:schemeClr val="accent1"/>
+          </a:effectRef>
+          <a:fontRef idx="minor">
+            <a:schemeClr val="lt1"/>
+          </a:fontRef>
+        </p:style>
+        <p:txBody>
+          <a:bodyPr rtlCol="0" anchor="ctr"/>
+          <a:lstStyle/>
+          <a:p>
+            <a:pPr algn="ctr"/>
+            <a:endParaRPr lang="en-US"/>
+          </a:p>
+        </p:txBody>
+      </p:sp>
+      <p:sp>
+        <p:nvSpPr>
+          <p:cNvPr id="8" name="Arrow: Left-Right 7">
+            <a:extLst>
+              <a:ext uri="{FF2B5EF4-FFF2-40B4-BE49-F238E27FC236}">
+                <a16:creationId xmlns:a16="http://schemas.microsoft.com/office/drawing/2014/main" id="{1A9F3C6D-D0FE-79BC-D52A-46F474FEAA7C}"/>
+              </a:ext>
+            </a:extLst>
+          </p:cNvPr>
+          <p:cNvSpPr/>
+          <p:nvPr/>
+        </p:nvSpPr>
+        <p:spPr>
+          <a:xfrm>
+            <a:off x="8298024" y="1735494"/>
+            <a:ext cx="1499119" cy="466530"/>
+          </a:xfrm>
+          <a:prstGeom prst="leftRightArrow">
+            <a:avLst/>
+          </a:prstGeom>
+        </p:spPr>
+        <p:style>
+          <a:lnRef idx="2">
+            <a:schemeClr val="accent1">
+              <a:shade val="15000"/>
+            </a:schemeClr>
+          </a:lnRef>
+          <a:fillRef idx="1">
+            <a:schemeClr val="accent1"/>
+          </a:fillRef>
+          <a:effectRef idx="0">
+            <a:schemeClr val="accent1"/>
+          </a:effectRef>
+          <a:fontRef idx="minor">
+            <a:schemeClr val="lt1"/>
+          </a:fontRef>
+        </p:style>
+        <p:txBody>
+          <a:bodyPr rtlCol="0" anchor="ctr"/>
+          <a:lstStyle/>
+          <a:p>
+            <a:pPr algn="ctr"/>
+            <a:endParaRPr lang="en-US"/>
+          </a:p>
+        </p:txBody>
+      </p:sp>
+      <p:sp>
+        <p:nvSpPr>
+          <p:cNvPr id="9" name="Arrow: Left-Up 8">
+            <a:extLst>
+              <a:ext uri="{FF2B5EF4-FFF2-40B4-BE49-F238E27FC236}">
+                <a16:creationId xmlns:a16="http://schemas.microsoft.com/office/drawing/2014/main" id="{7F0C0E58-483C-35C2-1569-B0CBE5AB0F0A}"/>
+              </a:ext>
+            </a:extLst>
+          </p:cNvPr>
+          <p:cNvSpPr/>
+          <p:nvPr/>
+        </p:nvSpPr>
+        <p:spPr>
+          <a:xfrm>
+            <a:off x="8201608" y="4194110"/>
+            <a:ext cx="2715208" cy="838200"/>
+          </a:xfrm>
+          <a:prstGeom prst="leftUpArrow">
+            <a:avLst/>
+          </a:prstGeom>
+        </p:spPr>
+        <p:style>
+          <a:lnRef idx="2">
+            <a:schemeClr val="accent1">
+              <a:shade val="15000"/>
+            </a:schemeClr>
+          </a:lnRef>
+          <a:fillRef idx="1">
+            <a:schemeClr val="accent1"/>
+          </a:fillRef>
+          <a:effectRef idx="0">
+            <a:schemeClr val="accent1"/>
+          </a:effectRef>
+          <a:fontRef idx="minor">
+            <a:schemeClr val="lt1"/>
+          </a:fontRef>
+        </p:style>
+        <p:txBody>
+          <a:bodyPr rtlCol="0" anchor="ctr"/>
+          <a:lstStyle/>
+          <a:p>
+            <a:pPr algn="ctr"/>
+            <a:endParaRPr lang="en-US"/>
+          </a:p>
+        </p:txBody>
+      </p:sp>
+    </p:spTree>
+    <p:extLst>
+      <p:ext uri="{BB962C8B-B14F-4D97-AF65-F5344CB8AC3E}">
+        <p14:creationId xmlns:p14="http://schemas.microsoft.com/office/powerpoint/2010/main" val="4134371893"/>
+      </p:ext>
+    </p:extLst>
+  </p:cSld>
+  <p:clrMapOvr>
+    <a:masterClrMapping/>
+  </p:clrMapOvr>
+</p:sld>
+</file>
+
+<file path=ppt/slides/slide9.xml><?xml version="1.0" encoding="utf-8"?>
+<p:sld xmlns:a="http://schemas.openxmlformats.org/drawingml/2006/main" xmlns:r="http://schemas.openxmlformats.org/officeDocument/2006/relationships" xmlns:p="http://schemas.openxmlformats.org/presentationml/2006/main">
+  <p:cSld>
+    <p:spTree>
+      <p:nvGrpSpPr>
+        <p:cNvPr id="1" name=""/>
+        <p:cNvGrpSpPr/>
+        <p:nvPr/>
+      </p:nvGrpSpPr>
+      <p:grpSpPr>
+        <a:xfrm>
+          <a:off x="0" y="0"/>
+          <a:ext cx="0" cy="0"/>
+          <a:chOff x="0" y="0"/>
+          <a:chExt cx="0" cy="0"/>
+        </a:xfrm>
+      </p:grpSpPr>
+      <p:sp>
+        <p:nvSpPr>
+          <p:cNvPr id="2" name="Rectangle 1">
+            <a:extLst>
+              <a:ext uri="{FF2B5EF4-FFF2-40B4-BE49-F238E27FC236}">
+                <a16:creationId xmlns:a16="http://schemas.microsoft.com/office/drawing/2014/main" id="{E59B4BE1-978D-AF3D-7746-5B7259537645}"/>
+              </a:ext>
+            </a:extLst>
+          </p:cNvPr>
+          <p:cNvSpPr/>
+          <p:nvPr/>
+        </p:nvSpPr>
+        <p:spPr>
+          <a:xfrm>
+            <a:off x="251927" y="279918"/>
+            <a:ext cx="11803224" cy="6298163"/>
+          </a:xfrm>
+          <a:prstGeom prst="rect">
+            <a:avLst/>
+          </a:prstGeom>
+        </p:spPr>
+        <p:style>
+          <a:lnRef idx="2">
+            <a:schemeClr val="accent6"/>
+          </a:lnRef>
+          <a:fillRef idx="1">
+            <a:schemeClr val="lt1"/>
+          </a:fillRef>
+          <a:effectRef idx="0">
+            <a:schemeClr val="accent6"/>
+          </a:effectRef>
+          <a:fontRef idx="minor">
+            <a:schemeClr val="dk1"/>
+          </a:fontRef>
+        </p:style>
+        <p:txBody>
+          <a:bodyPr rtlCol="0" anchor="ctr"/>
+          <a:lstStyle/>
+          <a:p>
+            <a:pPr algn="ctr"/>
+            <a:endParaRPr lang="en-US"/>
+          </a:p>
+        </p:txBody>
+      </p:sp>
+      <p:sp>
+        <p:nvSpPr>
+          <p:cNvPr id="3" name="TextBox 2">
+            <a:extLst>
+              <a:ext uri="{FF2B5EF4-FFF2-40B4-BE49-F238E27FC236}">
+                <a16:creationId xmlns:a16="http://schemas.microsoft.com/office/drawing/2014/main" id="{7D858C59-D12D-C7F3-AF8F-7D32DDB61B37}"/>
+              </a:ext>
+            </a:extLst>
+          </p:cNvPr>
+          <p:cNvSpPr txBox="1"/>
+          <p:nvPr/>
+        </p:nvSpPr>
+        <p:spPr>
+          <a:xfrm>
+            <a:off x="251927" y="466531"/>
+            <a:ext cx="3387012" cy="369332"/>
+          </a:xfrm>
+          <a:prstGeom prst="rect">
+            <a:avLst/>
+          </a:prstGeom>
+          <a:noFill/>
+        </p:spPr>
+        <p:txBody>
+          <a:bodyPr wrap="square" rtlCol="0">
+            <a:spAutoFit/>
+          </a:bodyPr>
+          <a:lstStyle/>
+          <a:p>
+            <a:r>
+              <a:rPr lang="en-IN" dirty="0"/>
+              <a:t>Kubernetes Cluster</a:t>
+            </a:r>
+            <a:endParaRPr lang="en-US" dirty="0"/>
+          </a:p>
+        </p:txBody>
+      </p:sp>
+      <p:sp>
+        <p:nvSpPr>
+          <p:cNvPr id="4" name="Cube 3">
+            <a:extLst>
+              <a:ext uri="{FF2B5EF4-FFF2-40B4-BE49-F238E27FC236}">
+                <a16:creationId xmlns:a16="http://schemas.microsoft.com/office/drawing/2014/main" id="{3BCA2934-A173-7D4E-27E4-D878E7F99261}"/>
+              </a:ext>
+            </a:extLst>
+          </p:cNvPr>
+          <p:cNvSpPr/>
+          <p:nvPr/>
+        </p:nvSpPr>
+        <p:spPr>
+          <a:xfrm>
+            <a:off x="6755363" y="606490"/>
+            <a:ext cx="3918858" cy="3107094"/>
+          </a:xfrm>
+          <a:prstGeom prst="cube">
+            <a:avLst>
+              <a:gd name="adj" fmla="val 16592"/>
+            </a:avLst>
+          </a:prstGeom>
+        </p:spPr>
+        <p:style>
+          <a:lnRef idx="1">
+            <a:schemeClr val="accent1"/>
+          </a:lnRef>
+          <a:fillRef idx="2">
+            <a:schemeClr val="accent1"/>
+          </a:fillRef>
+          <a:effectRef idx="1">
+            <a:schemeClr val="accent1"/>
+          </a:effectRef>
+          <a:fontRef idx="minor">
+            <a:schemeClr val="dk1"/>
+          </a:fontRef>
+        </p:style>
+        <p:txBody>
+          <a:bodyPr rtlCol="0" anchor="ctr"/>
+          <a:lstStyle/>
+          <a:p>
+            <a:pPr algn="ctr"/>
+            <a:endParaRPr lang="en-US"/>
+          </a:p>
+        </p:txBody>
+      </p:sp>
+      <p:sp>
+        <p:nvSpPr>
+          <p:cNvPr id="5" name="Cube 4">
+            <a:extLst>
+              <a:ext uri="{FF2B5EF4-FFF2-40B4-BE49-F238E27FC236}">
+                <a16:creationId xmlns:a16="http://schemas.microsoft.com/office/drawing/2014/main" id="{8803EB31-29DF-D947-D33A-479DC5D0C864}"/>
+              </a:ext>
+            </a:extLst>
+          </p:cNvPr>
+          <p:cNvSpPr/>
+          <p:nvPr/>
+        </p:nvSpPr>
+        <p:spPr>
+          <a:xfrm>
+            <a:off x="2382416" y="3429000"/>
+            <a:ext cx="3918858" cy="3107094"/>
+          </a:xfrm>
+          <a:prstGeom prst="cube">
+            <a:avLst>
+              <a:gd name="adj" fmla="val 16592"/>
+            </a:avLst>
+          </a:prstGeom>
+        </p:spPr>
+        <p:style>
+          <a:lnRef idx="1">
+            <a:schemeClr val="accent1"/>
+          </a:lnRef>
+          <a:fillRef idx="2">
+            <a:schemeClr val="accent1"/>
+          </a:fillRef>
+          <a:effectRef idx="1">
+            <a:schemeClr val="accent1"/>
+          </a:effectRef>
+          <a:fontRef idx="minor">
+            <a:schemeClr val="dk1"/>
+          </a:fontRef>
+        </p:style>
+        <p:txBody>
+          <a:bodyPr rtlCol="0" anchor="ctr"/>
+          <a:lstStyle/>
+          <a:p>
+            <a:pPr algn="ctr"/>
+            <a:endParaRPr lang="en-US"/>
+          </a:p>
+        </p:txBody>
+      </p:sp>
+      <p:sp>
+        <p:nvSpPr>
+          <p:cNvPr id="6" name="TextBox 5">
+            <a:extLst>
+              <a:ext uri="{FF2B5EF4-FFF2-40B4-BE49-F238E27FC236}">
+                <a16:creationId xmlns:a16="http://schemas.microsoft.com/office/drawing/2014/main" id="{D2E2733F-5A56-2725-4564-34E8B7167E8F}"/>
+              </a:ext>
+            </a:extLst>
+          </p:cNvPr>
+          <p:cNvSpPr txBox="1"/>
+          <p:nvPr/>
+        </p:nvSpPr>
+        <p:spPr>
+          <a:xfrm>
+            <a:off x="373224" y="914400"/>
+            <a:ext cx="2407298" cy="646331"/>
+          </a:xfrm>
+          <a:prstGeom prst="rect">
+            <a:avLst/>
+          </a:prstGeom>
+          <a:noFill/>
+        </p:spPr>
+        <p:txBody>
+          <a:bodyPr wrap="square" rtlCol="0">
+            <a:spAutoFit/>
+          </a:bodyPr>
+          <a:lstStyle/>
+          <a:p>
+            <a:r>
+              <a:rPr lang="en-IN" dirty="0" err="1"/>
+              <a:t>KubeController</a:t>
+            </a:r>
+            <a:endParaRPr lang="en-IN" dirty="0"/>
+          </a:p>
+          <a:p>
+            <a:r>
+              <a:rPr lang="en-US" dirty="0" err="1"/>
+              <a:t>ApiManager</a:t>
+            </a:r>
+            <a:endParaRPr lang="en-US" dirty="0"/>
+          </a:p>
+        </p:txBody>
+      </p:sp>
+      <p:sp>
+        <p:nvSpPr>
+          <p:cNvPr id="7" name="Arrow: Left-Up 6">
+            <a:extLst>
+              <a:ext uri="{FF2B5EF4-FFF2-40B4-BE49-F238E27FC236}">
+                <a16:creationId xmlns:a16="http://schemas.microsoft.com/office/drawing/2014/main" id="{6AB9445B-16BC-F06F-E9A2-E9593D15DD3E}"/>
+              </a:ext>
+            </a:extLst>
+          </p:cNvPr>
+          <p:cNvSpPr/>
+          <p:nvPr/>
+        </p:nvSpPr>
+        <p:spPr>
+          <a:xfrm>
+            <a:off x="6096000" y="3713584"/>
+            <a:ext cx="2254898" cy="1464906"/>
+          </a:xfrm>
+          <a:prstGeom prst="leftUpArrow">
+            <a:avLst/>
+          </a:prstGeom>
+        </p:spPr>
+        <p:style>
+          <a:lnRef idx="2">
+            <a:schemeClr val="accent1">
+              <a:shade val="15000"/>
+            </a:schemeClr>
+          </a:lnRef>
+          <a:fillRef idx="1">
+            <a:schemeClr val="accent1"/>
+          </a:fillRef>
+          <a:effectRef idx="0">
+            <a:schemeClr val="accent1"/>
+          </a:effectRef>
+          <a:fontRef idx="minor">
+            <a:schemeClr val="lt1"/>
+          </a:fontRef>
+        </p:style>
+        <p:txBody>
+          <a:bodyPr rtlCol="0" anchor="ctr"/>
+          <a:lstStyle/>
+          <a:p>
+            <a:pPr algn="ctr"/>
+            <a:endParaRPr lang="en-US"/>
+          </a:p>
+        </p:txBody>
+      </p:sp>
+      <p:sp>
+        <p:nvSpPr>
+          <p:cNvPr id="8" name="TextBox 7">
+            <a:extLst>
+              <a:ext uri="{FF2B5EF4-FFF2-40B4-BE49-F238E27FC236}">
+                <a16:creationId xmlns:a16="http://schemas.microsoft.com/office/drawing/2014/main" id="{C228C055-4D05-62D9-7F9E-30CD86778A53}"/>
+              </a:ext>
+            </a:extLst>
+          </p:cNvPr>
+          <p:cNvSpPr txBox="1"/>
+          <p:nvPr/>
+        </p:nvSpPr>
+        <p:spPr>
+          <a:xfrm>
+            <a:off x="8528180" y="4450702"/>
+            <a:ext cx="3088432" cy="369332"/>
+          </a:xfrm>
+          <a:prstGeom prst="rect">
+            <a:avLst/>
+          </a:prstGeom>
+          <a:noFill/>
+        </p:spPr>
+        <p:txBody>
+          <a:bodyPr wrap="square" rtlCol="0">
+            <a:spAutoFit/>
+          </a:bodyPr>
+          <a:lstStyle/>
+          <a:p>
+            <a:r>
+              <a:rPr lang="en-IN" dirty="0"/>
+              <a:t>VNet by Hosting Env</a:t>
+            </a:r>
+            <a:endParaRPr lang="en-US" dirty="0"/>
+          </a:p>
+        </p:txBody>
+      </p:sp>
+      <p:sp>
+        <p:nvSpPr>
+          <p:cNvPr id="9" name="Rectangle: Rounded Corners 8">
+            <a:extLst>
+              <a:ext uri="{FF2B5EF4-FFF2-40B4-BE49-F238E27FC236}">
+                <a16:creationId xmlns:a16="http://schemas.microsoft.com/office/drawing/2014/main" id="{39023584-A165-DC0B-178E-285B7875B5DF}"/>
+              </a:ext>
+            </a:extLst>
+          </p:cNvPr>
+          <p:cNvSpPr/>
+          <p:nvPr/>
+        </p:nvSpPr>
+        <p:spPr>
+          <a:xfrm>
+            <a:off x="6820678" y="1371600"/>
+            <a:ext cx="3387013" cy="1194318"/>
+          </a:xfrm>
+          <a:prstGeom prst="roundRect">
+            <a:avLst/>
+          </a:prstGeom>
+        </p:spPr>
+        <p:style>
+          <a:lnRef idx="1">
+            <a:schemeClr val="accent4"/>
+          </a:lnRef>
+          <a:fillRef idx="3">
+            <a:schemeClr val="accent4"/>
+          </a:fillRef>
+          <a:effectRef idx="2">
+            <a:schemeClr val="accent4"/>
+          </a:effectRef>
+          <a:fontRef idx="minor">
+            <a:schemeClr val="lt1"/>
+          </a:fontRef>
+        </p:style>
+        <p:txBody>
+          <a:bodyPr rtlCol="0" anchor="ctr"/>
+          <a:lstStyle/>
+          <a:p>
+            <a:pPr algn="ctr"/>
+            <a:endParaRPr lang="en-US"/>
+          </a:p>
+        </p:txBody>
+      </p:sp>
+      <p:sp>
+        <p:nvSpPr>
+          <p:cNvPr id="10" name="TextBox 9">
+            <a:extLst>
+              <a:ext uri="{FF2B5EF4-FFF2-40B4-BE49-F238E27FC236}">
+                <a16:creationId xmlns:a16="http://schemas.microsoft.com/office/drawing/2014/main" id="{A5CD07F9-621F-DEDD-29FD-1220B0C89D6B}"/>
+              </a:ext>
+            </a:extLst>
+          </p:cNvPr>
+          <p:cNvSpPr txBox="1"/>
+          <p:nvPr/>
+        </p:nvSpPr>
+        <p:spPr>
+          <a:xfrm>
+            <a:off x="6951307" y="1560731"/>
+            <a:ext cx="1586204" cy="276999"/>
+          </a:xfrm>
+          <a:prstGeom prst="rect">
+            <a:avLst/>
+          </a:prstGeom>
+          <a:noFill/>
+        </p:spPr>
+        <p:txBody>
+          <a:bodyPr wrap="square" rtlCol="0">
+            <a:spAutoFit/>
+          </a:bodyPr>
+          <a:lstStyle/>
+          <a:p>
+            <a:r>
+              <a:rPr lang="en-IN" sz="1200" dirty="0"/>
+              <a:t>POD</a:t>
+            </a:r>
+            <a:endParaRPr lang="en-US" sz="1200" dirty="0"/>
+          </a:p>
+        </p:txBody>
+      </p:sp>
+      <p:sp>
+        <p:nvSpPr>
+          <p:cNvPr id="11" name="Rectangle: Rounded Corners 10">
+            <a:extLst>
+              <a:ext uri="{FF2B5EF4-FFF2-40B4-BE49-F238E27FC236}">
+                <a16:creationId xmlns:a16="http://schemas.microsoft.com/office/drawing/2014/main" id="{6EC45F9B-3E8D-498D-B7CE-B3599CD0FF9E}"/>
+              </a:ext>
+            </a:extLst>
+          </p:cNvPr>
+          <p:cNvSpPr/>
+          <p:nvPr/>
+        </p:nvSpPr>
+        <p:spPr>
+          <a:xfrm>
+            <a:off x="6951307" y="1847261"/>
+            <a:ext cx="1035698" cy="625552"/>
+          </a:xfrm>
+          <a:prstGeom prst="roundRect">
+            <a:avLst/>
+          </a:prstGeom>
+        </p:spPr>
+        <p:style>
+          <a:lnRef idx="2">
+            <a:schemeClr val="accent1">
+              <a:shade val="15000"/>
+            </a:schemeClr>
+          </a:lnRef>
+          <a:fillRef idx="1">
+            <a:schemeClr val="accent1"/>
+          </a:fillRef>
+          <a:effectRef idx="0">
+            <a:schemeClr val="accent1"/>
+          </a:effectRef>
+          <a:fontRef idx="minor">
+            <a:schemeClr val="lt1"/>
+          </a:fontRef>
+        </p:style>
+        <p:txBody>
+          <a:bodyPr rtlCol="0" anchor="ctr"/>
+          <a:lstStyle/>
+          <a:p>
+            <a:pPr algn="ctr"/>
+            <a:r>
+              <a:rPr lang="en-IN" sz="1400" dirty="0"/>
+              <a:t>Serv1 Master </a:t>
+            </a:r>
+            <a:endParaRPr lang="en-US" sz="1400" dirty="0"/>
+          </a:p>
+        </p:txBody>
+      </p:sp>
+      <p:sp>
+        <p:nvSpPr>
+          <p:cNvPr id="12" name="Rectangle: Rounded Corners 11">
+            <a:extLst>
+              <a:ext uri="{FF2B5EF4-FFF2-40B4-BE49-F238E27FC236}">
+                <a16:creationId xmlns:a16="http://schemas.microsoft.com/office/drawing/2014/main" id="{DCDF6992-065C-C867-186B-C144E661583C}"/>
+              </a:ext>
+            </a:extLst>
+          </p:cNvPr>
+          <p:cNvSpPr/>
+          <p:nvPr/>
+        </p:nvSpPr>
+        <p:spPr>
+          <a:xfrm>
+            <a:off x="8070981" y="1809538"/>
+            <a:ext cx="1035698" cy="625552"/>
+          </a:xfrm>
+          <a:prstGeom prst="roundRect">
+            <a:avLst/>
+          </a:prstGeom>
+        </p:spPr>
+        <p:style>
+          <a:lnRef idx="2">
+            <a:schemeClr val="accent1">
+              <a:shade val="15000"/>
+            </a:schemeClr>
+          </a:lnRef>
+          <a:fillRef idx="1">
+            <a:schemeClr val="accent1"/>
+          </a:fillRef>
+          <a:effectRef idx="0">
+            <a:schemeClr val="accent1"/>
+          </a:effectRef>
+          <a:fontRef idx="minor">
+            <a:schemeClr val="lt1"/>
+          </a:fontRef>
+        </p:style>
+        <p:txBody>
+          <a:bodyPr rtlCol="0" anchor="ctr"/>
+          <a:lstStyle/>
+          <a:p>
+            <a:pPr algn="ctr"/>
+            <a:endParaRPr lang="en-US"/>
+          </a:p>
+        </p:txBody>
+      </p:sp>
+      <p:sp>
+        <p:nvSpPr>
+          <p:cNvPr id="13" name="Rectangle: Rounded Corners 12">
+            <a:extLst>
+              <a:ext uri="{FF2B5EF4-FFF2-40B4-BE49-F238E27FC236}">
+                <a16:creationId xmlns:a16="http://schemas.microsoft.com/office/drawing/2014/main" id="{B45CDF15-C18A-6936-5684-61C36FBEC6A5}"/>
+              </a:ext>
+            </a:extLst>
+          </p:cNvPr>
+          <p:cNvSpPr/>
+          <p:nvPr/>
+        </p:nvSpPr>
+        <p:spPr>
+          <a:xfrm>
+            <a:off x="9120674" y="1809538"/>
+            <a:ext cx="1035698" cy="625552"/>
+          </a:xfrm>
+          <a:prstGeom prst="roundRect">
+            <a:avLst/>
+          </a:prstGeom>
+        </p:spPr>
+        <p:style>
+          <a:lnRef idx="2">
+            <a:schemeClr val="accent1">
+              <a:shade val="15000"/>
+            </a:schemeClr>
+          </a:lnRef>
+          <a:fillRef idx="1">
+            <a:schemeClr val="accent1"/>
+          </a:fillRef>
+          <a:effectRef idx="0">
+            <a:schemeClr val="accent1"/>
+          </a:effectRef>
+          <a:fontRef idx="minor">
+            <a:schemeClr val="lt1"/>
+          </a:fontRef>
+        </p:style>
+        <p:txBody>
+          <a:bodyPr rtlCol="0" anchor="ctr"/>
+          <a:lstStyle/>
+          <a:p>
+            <a:pPr algn="ctr"/>
+            <a:endParaRPr lang="en-US"/>
+          </a:p>
+        </p:txBody>
+      </p:sp>
+      <p:sp>
+        <p:nvSpPr>
+          <p:cNvPr id="14" name="Rectangle: Rounded Corners 13">
+            <a:extLst>
+              <a:ext uri="{FF2B5EF4-FFF2-40B4-BE49-F238E27FC236}">
+                <a16:creationId xmlns:a16="http://schemas.microsoft.com/office/drawing/2014/main" id="{B0D008D3-5157-8174-CE22-6F666471E0CD}"/>
+              </a:ext>
+            </a:extLst>
+          </p:cNvPr>
+          <p:cNvSpPr/>
+          <p:nvPr/>
+        </p:nvSpPr>
+        <p:spPr>
+          <a:xfrm>
+            <a:off x="2391747" y="4450702"/>
+            <a:ext cx="3387013" cy="1194318"/>
+          </a:xfrm>
+          <a:prstGeom prst="roundRect">
+            <a:avLst/>
+          </a:prstGeom>
+        </p:spPr>
+        <p:style>
+          <a:lnRef idx="1">
+            <a:schemeClr val="accent4"/>
+          </a:lnRef>
+          <a:fillRef idx="3">
+            <a:schemeClr val="accent4"/>
+          </a:fillRef>
+          <a:effectRef idx="2">
+            <a:schemeClr val="accent4"/>
+          </a:effectRef>
+          <a:fontRef idx="minor">
+            <a:schemeClr val="lt1"/>
+          </a:fontRef>
+        </p:style>
+        <p:txBody>
+          <a:bodyPr rtlCol="0" anchor="ctr"/>
+          <a:lstStyle/>
+          <a:p>
+            <a:pPr algn="ctr"/>
+            <a:endParaRPr lang="en-US"/>
+          </a:p>
+        </p:txBody>
+      </p:sp>
+      <p:sp>
+        <p:nvSpPr>
+          <p:cNvPr id="15" name="TextBox 14">
+            <a:extLst>
+              <a:ext uri="{FF2B5EF4-FFF2-40B4-BE49-F238E27FC236}">
+                <a16:creationId xmlns:a16="http://schemas.microsoft.com/office/drawing/2014/main" id="{D98F5DB7-1634-C08A-44C5-E98B85A7E873}"/>
+              </a:ext>
+            </a:extLst>
+          </p:cNvPr>
+          <p:cNvSpPr txBox="1"/>
+          <p:nvPr/>
+        </p:nvSpPr>
+        <p:spPr>
+          <a:xfrm>
+            <a:off x="2522376" y="4639833"/>
+            <a:ext cx="1586204" cy="276999"/>
+          </a:xfrm>
+          <a:prstGeom prst="rect">
+            <a:avLst/>
+          </a:prstGeom>
+          <a:noFill/>
+        </p:spPr>
+        <p:txBody>
+          <a:bodyPr wrap="square" rtlCol="0">
+            <a:spAutoFit/>
+          </a:bodyPr>
+          <a:lstStyle/>
+          <a:p>
+            <a:r>
+              <a:rPr lang="en-IN" sz="1200" dirty="0"/>
+              <a:t>POD</a:t>
+            </a:r>
+            <a:endParaRPr lang="en-US" sz="1200" dirty="0"/>
+          </a:p>
+        </p:txBody>
+      </p:sp>
+      <p:sp>
+        <p:nvSpPr>
+          <p:cNvPr id="16" name="Rectangle: Rounded Corners 15">
+            <a:extLst>
+              <a:ext uri="{FF2B5EF4-FFF2-40B4-BE49-F238E27FC236}">
+                <a16:creationId xmlns:a16="http://schemas.microsoft.com/office/drawing/2014/main" id="{4F2F7039-2AAB-42D6-B1BE-3A9E4F142085}"/>
+              </a:ext>
+            </a:extLst>
+          </p:cNvPr>
+          <p:cNvSpPr/>
+          <p:nvPr/>
+        </p:nvSpPr>
+        <p:spPr>
+          <a:xfrm>
+            <a:off x="2587690" y="4916832"/>
+            <a:ext cx="1035698" cy="625552"/>
+          </a:xfrm>
+          <a:prstGeom prst="roundRect">
+            <a:avLst/>
+          </a:prstGeom>
+        </p:spPr>
+        <p:style>
+          <a:lnRef idx="2">
+            <a:schemeClr val="accent1">
+              <a:shade val="15000"/>
+            </a:schemeClr>
+          </a:lnRef>
+          <a:fillRef idx="1">
+            <a:schemeClr val="accent1"/>
+          </a:fillRef>
+          <a:effectRef idx="0">
+            <a:schemeClr val="accent1"/>
+          </a:effectRef>
+          <a:fontRef idx="minor">
+            <a:schemeClr val="lt1"/>
+          </a:fontRef>
+        </p:style>
+        <p:txBody>
+          <a:bodyPr rtlCol="0" anchor="ctr"/>
+          <a:lstStyle/>
+          <a:p>
+            <a:pPr algn="ctr"/>
+            <a:r>
+              <a:rPr lang="en-IN" sz="1400" dirty="0"/>
+              <a:t>Serv1</a:t>
+            </a:r>
+          </a:p>
+          <a:p>
+            <a:pPr algn="ctr"/>
+            <a:r>
+              <a:rPr lang="en-IN" sz="1400" dirty="0"/>
+              <a:t>Secondary</a:t>
+            </a:r>
+            <a:endParaRPr lang="en-US" sz="1400" dirty="0"/>
+          </a:p>
+        </p:txBody>
+      </p:sp>
+      <p:sp>
+        <p:nvSpPr>
+          <p:cNvPr id="17" name="Rectangle: Rounded Corners 16">
+            <a:extLst>
+              <a:ext uri="{FF2B5EF4-FFF2-40B4-BE49-F238E27FC236}">
+                <a16:creationId xmlns:a16="http://schemas.microsoft.com/office/drawing/2014/main" id="{05F5DEDE-1615-7F0C-C502-3AD3E9EF0F61}"/>
+              </a:ext>
+            </a:extLst>
+          </p:cNvPr>
+          <p:cNvSpPr/>
+          <p:nvPr/>
+        </p:nvSpPr>
+        <p:spPr>
+          <a:xfrm>
+            <a:off x="3688702" y="4888640"/>
+            <a:ext cx="1035698" cy="625552"/>
+          </a:xfrm>
+          <a:prstGeom prst="roundRect">
+            <a:avLst/>
+          </a:prstGeom>
+        </p:spPr>
+        <p:style>
+          <a:lnRef idx="2">
+            <a:schemeClr val="accent1">
+              <a:shade val="15000"/>
+            </a:schemeClr>
+          </a:lnRef>
+          <a:fillRef idx="1">
+            <a:schemeClr val="accent1"/>
+          </a:fillRef>
+          <a:effectRef idx="0">
+            <a:schemeClr val="accent1"/>
+          </a:effectRef>
+          <a:fontRef idx="minor">
+            <a:schemeClr val="lt1"/>
+          </a:fontRef>
+        </p:style>
+        <p:txBody>
+          <a:bodyPr rtlCol="0" anchor="ctr"/>
+          <a:lstStyle/>
+          <a:p>
+            <a:pPr algn="ctr"/>
+            <a:endParaRPr lang="en-US"/>
+          </a:p>
+        </p:txBody>
+      </p:sp>
+      <p:sp>
+        <p:nvSpPr>
+          <p:cNvPr id="18" name="Rectangle: Rounded Corners 17">
+            <a:extLst>
+              <a:ext uri="{FF2B5EF4-FFF2-40B4-BE49-F238E27FC236}">
+                <a16:creationId xmlns:a16="http://schemas.microsoft.com/office/drawing/2014/main" id="{491FD797-1100-1055-B9A9-7393F2913302}"/>
+              </a:ext>
+            </a:extLst>
+          </p:cNvPr>
+          <p:cNvSpPr/>
+          <p:nvPr/>
+        </p:nvSpPr>
+        <p:spPr>
+          <a:xfrm>
+            <a:off x="4691743" y="4888640"/>
+            <a:ext cx="1035698" cy="625552"/>
+          </a:xfrm>
+          <a:prstGeom prst="roundRect">
+            <a:avLst/>
+          </a:prstGeom>
+        </p:spPr>
+        <p:style>
+          <a:lnRef idx="2">
+            <a:schemeClr val="accent1">
+              <a:shade val="15000"/>
+            </a:schemeClr>
+          </a:lnRef>
+          <a:fillRef idx="1">
+            <a:schemeClr val="accent1"/>
+          </a:fillRef>
+          <a:effectRef idx="0">
+            <a:schemeClr val="accent1"/>
+          </a:effectRef>
+          <a:fontRef idx="minor">
+            <a:schemeClr val="lt1"/>
+          </a:fontRef>
+        </p:style>
+        <p:txBody>
+          <a:bodyPr rtlCol="0" anchor="ctr"/>
+          <a:lstStyle/>
+          <a:p>
+            <a:pPr algn="ctr"/>
+            <a:endParaRPr lang="en-US"/>
+          </a:p>
+        </p:txBody>
+      </p:sp>
+      <p:sp>
+        <p:nvSpPr>
+          <p:cNvPr id="19" name="Arrow: Left-Right 18">
+            <a:extLst>
+              <a:ext uri="{FF2B5EF4-FFF2-40B4-BE49-F238E27FC236}">
+                <a16:creationId xmlns:a16="http://schemas.microsoft.com/office/drawing/2014/main" id="{22099E5E-B9E0-FBE7-F3F2-790F0C124E20}"/>
+              </a:ext>
+            </a:extLst>
+          </p:cNvPr>
+          <p:cNvSpPr/>
+          <p:nvPr/>
+        </p:nvSpPr>
+        <p:spPr>
+          <a:xfrm>
+            <a:off x="73090" y="1443698"/>
+            <a:ext cx="3304592" cy="788064"/>
+          </a:xfrm>
+          <a:prstGeom prst="leftRightArrow">
+            <a:avLst/>
+          </a:prstGeom>
+        </p:spPr>
+        <p:style>
+          <a:lnRef idx="2">
+            <a:schemeClr val="accent1">
+              <a:shade val="15000"/>
+            </a:schemeClr>
+          </a:lnRef>
+          <a:fillRef idx="1">
+            <a:schemeClr val="accent1"/>
+          </a:fillRef>
+          <a:effectRef idx="0">
+            <a:schemeClr val="accent1"/>
+          </a:effectRef>
+          <a:fontRef idx="minor">
+            <a:schemeClr val="lt1"/>
+          </a:fontRef>
+        </p:style>
+        <p:txBody>
+          <a:bodyPr rtlCol="0" anchor="ctr"/>
+          <a:lstStyle/>
+          <a:p>
+            <a:pPr algn="ctr"/>
+            <a:r>
+              <a:rPr lang="en-IN" dirty="0" err="1"/>
+              <a:t>LoadBalancer</a:t>
+            </a:r>
+            <a:endParaRPr lang="en-US" dirty="0"/>
+          </a:p>
+        </p:txBody>
+      </p:sp>
+      <p:sp>
+        <p:nvSpPr>
+          <p:cNvPr id="20" name="Arrow: Left-Right 19">
+            <a:extLst>
+              <a:ext uri="{FF2B5EF4-FFF2-40B4-BE49-F238E27FC236}">
+                <a16:creationId xmlns:a16="http://schemas.microsoft.com/office/drawing/2014/main" id="{B3FAA4B1-B455-7710-2707-C6353C4FDB23}"/>
+              </a:ext>
+            </a:extLst>
+          </p:cNvPr>
+          <p:cNvSpPr/>
+          <p:nvPr/>
+        </p:nvSpPr>
+        <p:spPr>
+          <a:xfrm>
+            <a:off x="73090" y="2249822"/>
+            <a:ext cx="3304592" cy="788064"/>
+          </a:xfrm>
+          <a:prstGeom prst="leftRightArrow">
+            <a:avLst/>
+          </a:prstGeom>
+        </p:spPr>
+        <p:style>
+          <a:lnRef idx="2">
+            <a:schemeClr val="accent1">
+              <a:shade val="15000"/>
+            </a:schemeClr>
+          </a:lnRef>
+          <a:fillRef idx="1">
+            <a:schemeClr val="accent1"/>
+          </a:fillRef>
+          <a:effectRef idx="0">
+            <a:schemeClr val="accent1"/>
+          </a:effectRef>
+          <a:fontRef idx="minor">
+            <a:schemeClr val="lt1"/>
+          </a:fontRef>
+        </p:style>
+        <p:txBody>
+          <a:bodyPr rtlCol="0" anchor="ctr"/>
+          <a:lstStyle/>
+          <a:p>
+            <a:pPr algn="ctr"/>
+            <a:r>
+              <a:rPr lang="en-IN" dirty="0" err="1"/>
+              <a:t>ClusterIP</a:t>
+            </a:r>
+            <a:endParaRPr lang="en-US" dirty="0"/>
+          </a:p>
+        </p:txBody>
+      </p:sp>
+      <p:sp>
+        <p:nvSpPr>
+          <p:cNvPr id="21" name="Arrow: Left-Right 20">
+            <a:extLst>
+              <a:ext uri="{FF2B5EF4-FFF2-40B4-BE49-F238E27FC236}">
+                <a16:creationId xmlns:a16="http://schemas.microsoft.com/office/drawing/2014/main" id="{EB3A6575-1093-5DF6-7073-B96CA6B79EDD}"/>
+              </a:ext>
+            </a:extLst>
+          </p:cNvPr>
+          <p:cNvSpPr/>
+          <p:nvPr/>
+        </p:nvSpPr>
+        <p:spPr>
+          <a:xfrm>
+            <a:off x="10886" y="2963028"/>
+            <a:ext cx="3304592" cy="788064"/>
+          </a:xfrm>
+          <a:prstGeom prst="leftRightArrow">
+            <a:avLst/>
+          </a:prstGeom>
+        </p:spPr>
+        <p:style>
+          <a:lnRef idx="2">
+            <a:schemeClr val="accent1">
+              <a:shade val="15000"/>
+            </a:schemeClr>
+          </a:lnRef>
+          <a:fillRef idx="1">
+            <a:schemeClr val="accent1"/>
+          </a:fillRef>
+          <a:effectRef idx="0">
+            <a:schemeClr val="accent1"/>
+          </a:effectRef>
+          <a:fontRef idx="minor">
+            <a:schemeClr val="lt1"/>
+          </a:fontRef>
+        </p:style>
+        <p:txBody>
+          <a:bodyPr rtlCol="0" anchor="ctr"/>
+          <a:lstStyle/>
+          <a:p>
+            <a:pPr algn="ctr"/>
+            <a:r>
+              <a:rPr lang="en-IN" dirty="0" err="1"/>
+              <a:t>NodePort</a:t>
+            </a:r>
+            <a:endParaRPr lang="en-US" dirty="0"/>
+          </a:p>
+        </p:txBody>
+      </p:sp>
+    </p:spTree>
+    <p:extLst>
+      <p:ext uri="{BB962C8B-B14F-4D97-AF65-F5344CB8AC3E}">
+        <p14:creationId xmlns:p14="http://schemas.microsoft.com/office/powerpoint/2010/main" val="2163277411"/>
       </p:ext>
     </p:extLst>
   </p:cSld>

--- a/TRaiing_Images.pptx
+++ b/TRaiing_Images.pptx
@@ -4162,7 +4162,7 @@
         </p:nvSpPr>
         <p:spPr>
           <a:xfrm>
-            <a:off x="4173894" y="2289110"/>
+            <a:off x="4201886" y="2270449"/>
             <a:ext cx="2463282" cy="2043404"/>
           </a:xfrm>
           <a:prstGeom prst="roundRect">
@@ -4192,16 +4192,192 @@
             <a:pPr algn="ctr"/>
             <a:r>
               <a:rPr lang="en-IN" dirty="0"/>
-              <a:t>API </a:t>
-            </a:r>
-            <a:r>
-              <a:rPr lang="en-IN"/>
-              <a:t>Gateway Service</a:t>
+              <a:t>API Gateway Service</a:t>
             </a:r>
             <a:endParaRPr lang="en-US" dirty="0"/>
           </a:p>
         </p:txBody>
       </p:sp>
+      <p:sp>
+        <p:nvSpPr>
+          <p:cNvPr id="5" name="Rectangle: Folded Corner 4">
+            <a:extLst>
+              <a:ext uri="{FF2B5EF4-FFF2-40B4-BE49-F238E27FC236}">
+                <a16:creationId xmlns:a16="http://schemas.microsoft.com/office/drawing/2014/main" id="{11205070-944B-9B81-2582-151FDA025749}"/>
+              </a:ext>
+            </a:extLst>
+          </p:cNvPr>
+          <p:cNvSpPr/>
+          <p:nvPr/>
+        </p:nvSpPr>
+        <p:spPr>
+          <a:xfrm>
+            <a:off x="4627984" y="3685592"/>
+            <a:ext cx="1754155" cy="1352939"/>
+          </a:xfrm>
+          <a:prstGeom prst="foldedCorner">
+            <a:avLst/>
+          </a:prstGeom>
+        </p:spPr>
+        <p:style>
+          <a:lnRef idx="2">
+            <a:schemeClr val="accent6"/>
+          </a:lnRef>
+          <a:fillRef idx="1">
+            <a:schemeClr val="lt1"/>
+          </a:fillRef>
+          <a:effectRef idx="0">
+            <a:schemeClr val="accent6"/>
+          </a:effectRef>
+          <a:fontRef idx="minor">
+            <a:schemeClr val="dk1"/>
+          </a:fontRef>
+        </p:style>
+        <p:txBody>
+          <a:bodyPr rtlCol="0" anchor="ctr"/>
+          <a:lstStyle/>
+          <a:p>
+            <a:pPr algn="ctr"/>
+            <a:r>
+              <a:rPr lang="en-IN" dirty="0"/>
+              <a:t>JSON Config</a:t>
+            </a:r>
+            <a:endParaRPr lang="en-US" dirty="0"/>
+          </a:p>
+        </p:txBody>
+      </p:sp>
+      <p:sp>
+        <p:nvSpPr>
+          <p:cNvPr id="6" name="Arrow: Right 5">
+            <a:extLst>
+              <a:ext uri="{FF2B5EF4-FFF2-40B4-BE49-F238E27FC236}">
+                <a16:creationId xmlns:a16="http://schemas.microsoft.com/office/drawing/2014/main" id="{7D8A2340-5493-05CA-C93F-CE9DC6A27741}"/>
+              </a:ext>
+            </a:extLst>
+          </p:cNvPr>
+          <p:cNvSpPr/>
+          <p:nvPr/>
+        </p:nvSpPr>
+        <p:spPr>
+          <a:xfrm>
+            <a:off x="1567543" y="2929812"/>
+            <a:ext cx="2634343" cy="363894"/>
+          </a:xfrm>
+          <a:prstGeom prst="rightArrow">
+            <a:avLst/>
+          </a:prstGeom>
+        </p:spPr>
+        <p:style>
+          <a:lnRef idx="2">
+            <a:schemeClr val="accent1">
+              <a:shade val="15000"/>
+            </a:schemeClr>
+          </a:lnRef>
+          <a:fillRef idx="1">
+            <a:schemeClr val="accent1"/>
+          </a:fillRef>
+          <a:effectRef idx="0">
+            <a:schemeClr val="accent1"/>
+          </a:effectRef>
+          <a:fontRef idx="minor">
+            <a:schemeClr val="lt1"/>
+          </a:fontRef>
+        </p:style>
+        <p:txBody>
+          <a:bodyPr rtlCol="0" anchor="ctr"/>
+          <a:lstStyle/>
+          <a:p>
+            <a:pPr algn="ctr"/>
+            <a:endParaRPr lang="en-US"/>
+          </a:p>
+        </p:txBody>
+      </p:sp>
+      <p:cxnSp>
+        <p:nvCxnSpPr>
+          <p:cNvPr id="8" name="Connector: Elbow 7">
+            <a:extLst>
+              <a:ext uri="{FF2B5EF4-FFF2-40B4-BE49-F238E27FC236}">
+                <a16:creationId xmlns:a16="http://schemas.microsoft.com/office/drawing/2014/main" id="{57419222-2F43-93D5-681F-2E3997B6722E}"/>
+              </a:ext>
+            </a:extLst>
+          </p:cNvPr>
+          <p:cNvCxnSpPr>
+            <a:stCxn id="4" idx="3"/>
+            <a:endCxn id="2" idx="1"/>
+          </p:cNvCxnSpPr>
+          <p:nvPr/>
+        </p:nvCxnSpPr>
+        <p:spPr>
+          <a:xfrm flipV="1">
+            <a:off x="6665168" y="1338943"/>
+            <a:ext cx="1060579" cy="1953208"/>
+          </a:xfrm>
+          <a:prstGeom prst="bentConnector3">
+            <a:avLst/>
+          </a:prstGeom>
+          <a:ln>
+            <a:headEnd type="triangle"/>
+            <a:tailEnd type="triangle"/>
+          </a:ln>
+        </p:spPr>
+        <p:style>
+          <a:lnRef idx="1">
+            <a:schemeClr val="accent1"/>
+          </a:lnRef>
+          <a:fillRef idx="0">
+            <a:schemeClr val="accent1"/>
+          </a:fillRef>
+          <a:effectRef idx="0">
+            <a:schemeClr val="accent1"/>
+          </a:effectRef>
+          <a:fontRef idx="minor">
+            <a:schemeClr val="tx1"/>
+          </a:fontRef>
+        </p:style>
+      </p:cxnSp>
+      <p:cxnSp>
+        <p:nvCxnSpPr>
+          <p:cNvPr id="10" name="Connector: Elbow 9">
+            <a:extLst>
+              <a:ext uri="{FF2B5EF4-FFF2-40B4-BE49-F238E27FC236}">
+                <a16:creationId xmlns:a16="http://schemas.microsoft.com/office/drawing/2014/main" id="{C9742032-36AA-1A23-D61D-5CA992C6DBC1}"/>
+              </a:ext>
+            </a:extLst>
+          </p:cNvPr>
+          <p:cNvCxnSpPr>
+            <a:stCxn id="4" idx="3"/>
+            <a:endCxn id="3" idx="1"/>
+          </p:cNvCxnSpPr>
+          <p:nvPr/>
+        </p:nvCxnSpPr>
+        <p:spPr>
+          <a:xfrm>
+            <a:off x="6665168" y="3292151"/>
+            <a:ext cx="1212979" cy="1604865"/>
+          </a:xfrm>
+          <a:prstGeom prst="bentConnector3">
+            <a:avLst/>
+          </a:prstGeom>
+          <a:ln>
+            <a:headEnd type="triangle"/>
+            <a:tailEnd type="triangle"/>
+          </a:ln>
+        </p:spPr>
+        <p:style>
+          <a:lnRef idx="1">
+            <a:schemeClr val="accent1"/>
+          </a:lnRef>
+          <a:fillRef idx="0">
+            <a:schemeClr val="accent1"/>
+          </a:fillRef>
+          <a:effectRef idx="0">
+            <a:schemeClr val="accent1"/>
+          </a:effectRef>
+          <a:fontRef idx="minor">
+            <a:schemeClr val="tx1"/>
+          </a:fontRef>
+        </p:style>
+      </p:cxnSp>
     </p:spTree>
     <p:extLst>
       <p:ext uri="{BB962C8B-B14F-4D97-AF65-F5344CB8AC3E}">
